--- a/results.pptx
+++ b/results.pptx
@@ -5,7 +5,7 @@
     <p:sldMasterId id="2147483648" r:id="rId1"/>
   </p:sldMasterIdLst>
   <p:notesMasterIdLst>
-    <p:notesMasterId r:id="rId19"/>
+    <p:notesMasterId r:id="rId21"/>
   </p:notesMasterIdLst>
   <p:sldIdLst>
     <p:sldId id="256" r:id="rId2"/>
@@ -24,7 +24,9 @@
     <p:sldId id="274" r:id="rId15"/>
     <p:sldId id="273" r:id="rId16"/>
     <p:sldId id="261" r:id="rId17"/>
-    <p:sldId id="275" r:id="rId18"/>
+    <p:sldId id="276" r:id="rId18"/>
+    <p:sldId id="275" r:id="rId19"/>
+    <p:sldId id="277" r:id="rId20"/>
   </p:sldIdLst>
   <p:sldSz cx="12192000" cy="6858000"/>
   <p:notesSz cx="6858000" cy="9144000"/>
@@ -123,7 +125,389 @@
       </a:defRPr>
     </a:lvl9pPr>
   </p:defaultTextStyle>
+  <p:extLst>
+    <p:ext uri="{EFAFB233-063F-42B5-8137-9DF3F51BA10A}">
+      <p15:sldGuideLst xmlns:p15="http://schemas.microsoft.com/office/powerpoint/2012/main"/>
+    </p:ext>
+  </p:extLst>
 </p:presentation>
+</file>
+
+<file path=ppt/ink/ink1.xml><?xml version="1.0" encoding="utf-8"?>
+<inkml:ink xmlns:inkml="http://www.w3.org/2003/InkML">
+  <inkml:definitions>
+    <inkml:context xml:id="ctx0">
+      <inkml:inkSource xml:id="inkSrc0">
+        <inkml:traceFormat>
+          <inkml:channel name="X" type="integer" min="-2.14748E9" max="2.14748E9" units="cm"/>
+          <inkml:channel name="Y" type="integer" min="-2.14748E9" max="2.14748E9" units="cm"/>
+        </inkml:traceFormat>
+        <inkml:channelProperties>
+          <inkml:channelProperty channel="X" name="resolution" value="1000" units="1/cm"/>
+          <inkml:channelProperty channel="Y" name="resolution" value="1000" units="1/cm"/>
+        </inkml:channelProperties>
+      </inkml:inkSource>
+      <inkml:timestamp xml:id="ts0" timeString="2022-08-19T22:00:36.663"/>
+    </inkml:context>
+    <inkml:brush xml:id="br0">
+      <inkml:brushProperty name="width" value="0.3" units="cm"/>
+      <inkml:brushProperty name="height" value="0.6" units="cm"/>
+      <inkml:brushProperty name="color" value="#0069AF"/>
+      <inkml:brushProperty name="tip" value="rectangle"/>
+      <inkml:brushProperty name="rasterOp" value="maskPen"/>
+      <inkml:brushProperty name="ignorePressure" value="1"/>
+    </inkml:brush>
+  </inkml:definitions>
+  <inkml:trace contextRef="#ctx0" brushRef="#br0">0 0</inkml:trace>
+</inkml:ink>
+</file>
+
+<file path=ppt/ink/ink10.xml><?xml version="1.0" encoding="utf-8"?>
+<inkml:ink xmlns:inkml="http://www.w3.org/2003/InkML">
+  <inkml:definitions>
+    <inkml:context xml:id="ctx0">
+      <inkml:inkSource xml:id="inkSrc0">
+        <inkml:traceFormat>
+          <inkml:channel name="X" type="integer" min="-2.14748E9" max="2.14748E9" units="cm"/>
+          <inkml:channel name="Y" type="integer" min="-2.14748E9" max="2.14748E9" units="cm"/>
+        </inkml:traceFormat>
+        <inkml:channelProperties>
+          <inkml:channelProperty channel="X" name="resolution" value="1000" units="1/cm"/>
+          <inkml:channelProperty channel="Y" name="resolution" value="1000" units="1/cm"/>
+        </inkml:channelProperties>
+      </inkml:inkSource>
+      <inkml:timestamp xml:id="ts0" timeString="2022-08-19T22:03:11.184"/>
+    </inkml:context>
+    <inkml:brush xml:id="br0">
+      <inkml:brushProperty name="width" value="0.3" units="cm"/>
+      <inkml:brushProperty name="height" value="0.6" units="cm"/>
+      <inkml:brushProperty name="color" value="#FFFC00"/>
+      <inkml:brushProperty name="tip" value="rectangle"/>
+      <inkml:brushProperty name="rasterOp" value="maskPen"/>
+      <inkml:brushProperty name="ignorePressure" value="1"/>
+    </inkml:brush>
+  </inkml:definitions>
+  <inkml:trace contextRef="#ctx0" brushRef="#br0">0 92,'4072'0,"-3853"-15,-27 0,883 12,-550 6,7825-3,-8316-2,0-2,-1-1,52-15,-46 11,0 0,48-2,100 9,-160 3</inkml:trace>
+</inkml:ink>
+</file>
+
+<file path=ppt/ink/ink11.xml><?xml version="1.0" encoding="utf-8"?>
+<inkml:ink xmlns:inkml="http://www.w3.org/2003/InkML">
+  <inkml:definitions>
+    <inkml:context xml:id="ctx0">
+      <inkml:inkSource xml:id="inkSrc0">
+        <inkml:traceFormat>
+          <inkml:channel name="X" type="integer" min="-2.14748E9" max="2.14748E9" units="cm"/>
+          <inkml:channel name="Y" type="integer" min="-2.14748E9" max="2.14748E9" units="cm"/>
+        </inkml:traceFormat>
+        <inkml:channelProperties>
+          <inkml:channelProperty channel="X" name="resolution" value="1000" units="1/cm"/>
+          <inkml:channelProperty channel="Y" name="resolution" value="1000" units="1/cm"/>
+        </inkml:channelProperties>
+      </inkml:inkSource>
+      <inkml:timestamp xml:id="ts0" timeString="2022-08-19T22:03:16.151"/>
+    </inkml:context>
+    <inkml:brush xml:id="br0">
+      <inkml:brushProperty name="width" value="0.3" units="cm"/>
+      <inkml:brushProperty name="height" value="0.6" units="cm"/>
+      <inkml:brushProperty name="color" value="#FFFC00"/>
+      <inkml:brushProperty name="tip" value="rectangle"/>
+      <inkml:brushProperty name="rasterOp" value="maskPen"/>
+      <inkml:brushProperty name="ignorePressure" value="1"/>
+    </inkml:brush>
+  </inkml:definitions>
+  <inkml:trace contextRef="#ctx0" brushRef="#br0">0 64,'31'-10,"-8"2,19 0,73-2,-15 3,126-10,256 14,-229 6,5973-3,-5971 17,-114-4,224 18,-211-18,143 6,3752-19,-1808-2,-2215 2</inkml:trace>
+</inkml:ink>
+</file>
+
+<file path=ppt/ink/ink12.xml><?xml version="1.0" encoding="utf-8"?>
+<inkml:ink xmlns:inkml="http://www.w3.org/2003/InkML">
+  <inkml:definitions>
+    <inkml:context xml:id="ctx0">
+      <inkml:inkSource xml:id="inkSrc0">
+        <inkml:traceFormat>
+          <inkml:channel name="X" type="integer" min="-2.14748E9" max="2.14748E9" units="cm"/>
+          <inkml:channel name="Y" type="integer" min="-2.14748E9" max="2.14748E9" units="cm"/>
+        </inkml:traceFormat>
+        <inkml:channelProperties>
+          <inkml:channelProperty channel="X" name="resolution" value="1000" units="1/cm"/>
+          <inkml:channelProperty channel="Y" name="resolution" value="1000" units="1/cm"/>
+        </inkml:channelProperties>
+      </inkml:inkSource>
+      <inkml:timestamp xml:id="ts0" timeString="2022-08-19T22:03:18.647"/>
+    </inkml:context>
+    <inkml:brush xml:id="br0">
+      <inkml:brushProperty name="width" value="0.3" units="cm"/>
+      <inkml:brushProperty name="height" value="0.6" units="cm"/>
+      <inkml:brushProperty name="color" value="#FFFC00"/>
+      <inkml:brushProperty name="tip" value="rectangle"/>
+      <inkml:brushProperty name="rasterOp" value="maskPen"/>
+      <inkml:brushProperty name="ignorePressure" value="1"/>
+    </inkml:brush>
+  </inkml:definitions>
+  <inkml:trace contextRef="#ctx0" brushRef="#br0">0 152,'1'-1,"-1"0,0 0,0 0,1 0,-1 0,1 0,-1 0,1 1,-1-1,1 0,-1 0,1 0,0 1,-1-1,1 0,0 0,0 1,0-1,-1 1,1-1,0 1,0-1,0 1,0 0,0-1,0 1,1 0,34-7,-26 5,95-13,1 4,131 4,523 8,-730-2,0-2,35-8,-33 5,52-3,647 7,-356 4,128-2,-484-1,0-1,-1-2,1 1,-1-2,27-10,-25 7,0 2,1 0,0 2,25-3,166 6,-103 3,-68-2</inkml:trace>
+</inkml:ink>
+</file>
+
+<file path=ppt/ink/ink13.xml><?xml version="1.0" encoding="utf-8"?>
+<inkml:ink xmlns:inkml="http://www.w3.org/2003/InkML">
+  <inkml:definitions>
+    <inkml:context xml:id="ctx0">
+      <inkml:inkSource xml:id="inkSrc0">
+        <inkml:traceFormat>
+          <inkml:channel name="X" type="integer" min="-2.14748E9" max="2.14748E9" units="cm"/>
+          <inkml:channel name="Y" type="integer" min="-2.14748E9" max="2.14748E9" units="cm"/>
+        </inkml:traceFormat>
+        <inkml:channelProperties>
+          <inkml:channelProperty channel="X" name="resolution" value="1000" units="1/cm"/>
+          <inkml:channelProperty channel="Y" name="resolution" value="1000" units="1/cm"/>
+        </inkml:channelProperties>
+      </inkml:inkSource>
+      <inkml:timestamp xml:id="ts0" timeString="2022-08-19T22:03:23.179"/>
+    </inkml:context>
+    <inkml:brush xml:id="br0">
+      <inkml:brushProperty name="width" value="0.3" units="cm"/>
+      <inkml:brushProperty name="height" value="0.6" units="cm"/>
+      <inkml:brushProperty name="color" value="#00FDFF"/>
+      <inkml:brushProperty name="tip" value="rectangle"/>
+      <inkml:brushProperty name="rasterOp" value="maskPen"/>
+      <inkml:brushProperty name="ignorePressure" value="1"/>
+    </inkml:brush>
+  </inkml:definitions>
+  <inkml:trace contextRef="#ctx0" brushRef="#br0">0 67,'1'-2,"-1"1,1 0,0 0,-1-1,1 1,0 0,0 0,0 0,0 0,0 0,0 0,0 0,0 0,0 0,0 0,1 1,-1-1,2 0,29-14,-28 14,14-6,0 1,0 1,1 1,0 1,32-2,100 6,-70 2,2173-1,-1173-4,-1045 2</inkml:trace>
+</inkml:ink>
+</file>
+
+<file path=ppt/ink/ink2.xml><?xml version="1.0" encoding="utf-8"?>
+<inkml:ink xmlns:inkml="http://www.w3.org/2003/InkML">
+  <inkml:definitions>
+    <inkml:context xml:id="ctx0">
+      <inkml:inkSource xml:id="inkSrc0">
+        <inkml:traceFormat>
+          <inkml:channel name="X" type="integer" min="-2.14748E9" max="2.14748E9" units="cm"/>
+          <inkml:channel name="Y" type="integer" min="-2.14748E9" max="2.14748E9" units="cm"/>
+        </inkml:traceFormat>
+        <inkml:channelProperties>
+          <inkml:channelProperty channel="X" name="resolution" value="1000" units="1/cm"/>
+          <inkml:channelProperty channel="Y" name="resolution" value="1000" units="1/cm"/>
+        </inkml:channelProperties>
+      </inkml:inkSource>
+      <inkml:timestamp xml:id="ts0" timeString="2022-08-19T22:01:28.373"/>
+    </inkml:context>
+    <inkml:brush xml:id="br0">
+      <inkml:brushProperty name="width" value="0.3" units="cm"/>
+      <inkml:brushProperty name="height" value="0.6" units="cm"/>
+      <inkml:brushProperty name="color" value="#00FDFF"/>
+      <inkml:brushProperty name="tip" value="rectangle"/>
+      <inkml:brushProperty name="rasterOp" value="maskPen"/>
+      <inkml:brushProperty name="ignorePressure" value="1"/>
+    </inkml:brush>
+  </inkml:definitions>
+  <inkml:trace contextRef="#ctx0" brushRef="#br0">0 0,'11188'0,"-11150"3,0 1,0 1,48 14,-47-9,0-2,75 5,53 4,-91-6,17 2,-38-4,85 2,1539-12,-1641 3,63 11,-60-6,50 1,70 7,16 1,-12-1,-1 0,-103-15,-35 0</inkml:trace>
+</inkml:ink>
+</file>
+
+<file path=ppt/ink/ink3.xml><?xml version="1.0" encoding="utf-8"?>
+<inkml:ink xmlns:inkml="http://www.w3.org/2003/InkML">
+  <inkml:definitions>
+    <inkml:context xml:id="ctx0">
+      <inkml:inkSource xml:id="inkSrc0">
+        <inkml:traceFormat>
+          <inkml:channel name="X" type="integer" min="-2.14748E9" max="2.14748E9" units="cm"/>
+          <inkml:channel name="Y" type="integer" min="-2.14748E9" max="2.14748E9" units="cm"/>
+        </inkml:traceFormat>
+        <inkml:channelProperties>
+          <inkml:channelProperty channel="X" name="resolution" value="1000" units="1/cm"/>
+          <inkml:channelProperty channel="Y" name="resolution" value="1000" units="1/cm"/>
+        </inkml:channelProperties>
+      </inkml:inkSource>
+      <inkml:timestamp xml:id="ts0" timeString="2022-08-19T22:01:34.137"/>
+    </inkml:context>
+    <inkml:brush xml:id="br0">
+      <inkml:brushProperty name="width" value="0.3" units="cm"/>
+      <inkml:brushProperty name="height" value="0.6" units="cm"/>
+      <inkml:brushProperty name="color" value="#00FDFF"/>
+      <inkml:brushProperty name="tip" value="rectangle"/>
+      <inkml:brushProperty name="rasterOp" value="maskPen"/>
+      <inkml:brushProperty name="ignorePressure" value="1"/>
+    </inkml:brush>
+  </inkml:definitions>
+  <inkml:trace contextRef="#ctx0" brushRef="#br0">0 0,'57'0,"646"18,-337 1,-92-7,747 2,-632-17,8769 3,-9073 4,129 23,41 2,369-26,-313-6,985 3,-1266 0</inkml:trace>
+</inkml:ink>
+</file>
+
+<file path=ppt/ink/ink4.xml><?xml version="1.0" encoding="utf-8"?>
+<inkml:ink xmlns:inkml="http://www.w3.org/2003/InkML">
+  <inkml:definitions>
+    <inkml:context xml:id="ctx0">
+      <inkml:inkSource xml:id="inkSrc0">
+        <inkml:traceFormat>
+          <inkml:channel name="X" type="integer" min="-2.14748E9" max="2.14748E9" units="cm"/>
+          <inkml:channel name="Y" type="integer" min="-2.14748E9" max="2.14748E9" units="cm"/>
+        </inkml:traceFormat>
+        <inkml:channelProperties>
+          <inkml:channelProperty channel="X" name="resolution" value="1000" units="1/cm"/>
+          <inkml:channelProperty channel="Y" name="resolution" value="1000" units="1/cm"/>
+        </inkml:channelProperties>
+      </inkml:inkSource>
+      <inkml:timestamp xml:id="ts0" timeString="2022-08-19T22:02:03.432"/>
+    </inkml:context>
+    <inkml:brush xml:id="br0">
+      <inkml:brushProperty name="width" value="0.3" units="cm"/>
+      <inkml:brushProperty name="height" value="0.6" units="cm"/>
+      <inkml:brushProperty name="color" value="#00FDFF"/>
+      <inkml:brushProperty name="tip" value="rectangle"/>
+      <inkml:brushProperty name="rasterOp" value="maskPen"/>
+      <inkml:brushProperty name="ignorePressure" value="1"/>
+    </inkml:brush>
+  </inkml:definitions>
+  <inkml:trace contextRef="#ctx0" brushRef="#br0">1 70,'0'-2,"0"0,1 0,0 1,-1-1,1 1,0-1,0 0,0 1,0-1,0 1,0 0,1-1,-1 1,0 0,1 0,-1 0,1 0,-1 0,1 0,-1 0,1 0,2 0,39-14,-43 15,44-9,0 2,0 3,1 1,86 6,-38 0,4124 1,-2233-7,6039 3,-7997 0</inkml:trace>
+</inkml:ink>
+</file>
+
+<file path=ppt/ink/ink5.xml><?xml version="1.0" encoding="utf-8"?>
+<inkml:ink xmlns:inkml="http://www.w3.org/2003/InkML">
+  <inkml:definitions>
+    <inkml:context xml:id="ctx0">
+      <inkml:inkSource xml:id="inkSrc0">
+        <inkml:traceFormat>
+          <inkml:channel name="X" type="integer" min="-2.14748E9" max="2.14748E9" units="cm"/>
+          <inkml:channel name="Y" type="integer" min="-2.14748E9" max="2.14748E9" units="cm"/>
+        </inkml:traceFormat>
+        <inkml:channelProperties>
+          <inkml:channelProperty channel="X" name="resolution" value="1000" units="1/cm"/>
+          <inkml:channelProperty channel="Y" name="resolution" value="1000" units="1/cm"/>
+        </inkml:channelProperties>
+      </inkml:inkSource>
+      <inkml:timestamp xml:id="ts0" timeString="2022-08-19T22:02:21.292"/>
+    </inkml:context>
+    <inkml:brush xml:id="br0">
+      <inkml:brushProperty name="width" value="0.3" units="cm"/>
+      <inkml:brushProperty name="height" value="0.6" units="cm"/>
+      <inkml:brushProperty name="color" value="#00FDFF"/>
+      <inkml:brushProperty name="tip" value="rectangle"/>
+      <inkml:brushProperty name="rasterOp" value="maskPen"/>
+      <inkml:brushProperty name="ignorePressure" value="1"/>
+    </inkml:brush>
+  </inkml:definitions>
+  <inkml:trace contextRef="#ctx0" brushRef="#br0">0 1,'11818'0,"-11768"3,0 1,79 20,-76-13,0-2,55 2,99-13,57 3,-234 2,-1 2,1 1,28 10,-30-7,0-2,1-1,45 4,413-9,-223-4,696 3,-938 0</inkml:trace>
+</inkml:ink>
+</file>
+
+<file path=ppt/ink/ink6.xml><?xml version="1.0" encoding="utf-8"?>
+<inkml:ink xmlns:inkml="http://www.w3.org/2003/InkML">
+  <inkml:definitions>
+    <inkml:context xml:id="ctx0">
+      <inkml:inkSource xml:id="inkSrc0">
+        <inkml:traceFormat>
+          <inkml:channel name="X" type="integer" min="-2.14748E9" max="2.14748E9" units="cm"/>
+          <inkml:channel name="Y" type="integer" min="-2.14748E9" max="2.14748E9" units="cm"/>
+        </inkml:traceFormat>
+        <inkml:channelProperties>
+          <inkml:channelProperty channel="X" name="resolution" value="1000" units="1/cm"/>
+          <inkml:channelProperty channel="Y" name="resolution" value="1000" units="1/cm"/>
+        </inkml:channelProperties>
+      </inkml:inkSource>
+      <inkml:timestamp xml:id="ts0" timeString="2022-08-19T22:02:31.219"/>
+    </inkml:context>
+    <inkml:brush xml:id="br0">
+      <inkml:brushProperty name="width" value="0.3" units="cm"/>
+      <inkml:brushProperty name="height" value="0.6" units="cm"/>
+      <inkml:brushProperty name="color" value="#00FDFF"/>
+      <inkml:brushProperty name="tip" value="rectangle"/>
+      <inkml:brushProperty name="rasterOp" value="maskPen"/>
+      <inkml:brushProperty name="ignorePressure" value="1"/>
+    </inkml:brush>
+  </inkml:definitions>
+  <inkml:trace contextRef="#ctx0" brushRef="#br0">1 34,'52'-3,"58"-9,36-3,744 12,-452 6,5252-3,-5472 15,-5 1,113 1,-235-10,109-4,0 0,-165 0,0 3,49 14,-46-11,62 9,388 35,-354-42,-76-8,0 2,76 18,-81-12,-1-2,95 4,110-14,-99-2,2633 3,-2756-2,65-11,-63 6,52-2,103-6,35 0,646 16,-842-1</inkml:trace>
+</inkml:ink>
+</file>
+
+<file path=ppt/ink/ink7.xml><?xml version="1.0" encoding="utf-8"?>
+<inkml:ink xmlns:inkml="http://www.w3.org/2003/InkML">
+  <inkml:definitions>
+    <inkml:context xml:id="ctx0">
+      <inkml:inkSource xml:id="inkSrc0">
+        <inkml:traceFormat>
+          <inkml:channel name="X" type="integer" min="-2.14748E9" max="2.14748E9" units="cm"/>
+          <inkml:channel name="Y" type="integer" min="-2.14748E9" max="2.14748E9" units="cm"/>
+        </inkml:traceFormat>
+        <inkml:channelProperties>
+          <inkml:channelProperty channel="X" name="resolution" value="1000" units="1/cm"/>
+          <inkml:channelProperty channel="Y" name="resolution" value="1000" units="1/cm"/>
+        </inkml:channelProperties>
+      </inkml:inkSource>
+      <inkml:timestamp xml:id="ts0" timeString="2022-08-19T22:02:54.023"/>
+    </inkml:context>
+    <inkml:brush xml:id="br0">
+      <inkml:brushProperty name="width" value="0.3" units="cm"/>
+      <inkml:brushProperty name="height" value="0.6" units="cm"/>
+      <inkml:brushProperty name="color" value="#FFFC00"/>
+      <inkml:brushProperty name="tip" value="rectangle"/>
+      <inkml:brushProperty name="rasterOp" value="maskPen"/>
+      <inkml:brushProperty name="ignorePressure" value="1"/>
+    </inkml:brush>
+  </inkml:definitions>
+  <inkml:trace contextRef="#ctx0" brushRef="#br0">0 215,'6800'0,"-6613"-16,-12 0,829 14,-484 4,2104-2,-2599-1,-1-2,1-1,-1-1,37-12,-34 9,0 1,1 1,34-3,172-21,-149 17,116-5,-30 3,17 0,6 0,4-1,1282 17,-1439 2,0 1,-1 3,1 1,49 16,-48-11,1-2,0-2,67 4,-86-11,0 1,-1 0,1 2,0 1,23 8,106 53,-91-38,-37-18</inkml:trace>
+</inkml:ink>
+</file>
+
+<file path=ppt/ink/ink8.xml><?xml version="1.0" encoding="utf-8"?>
+<inkml:ink xmlns:inkml="http://www.w3.org/2003/InkML">
+  <inkml:definitions>
+    <inkml:context xml:id="ctx0">
+      <inkml:inkSource xml:id="inkSrc0">
+        <inkml:traceFormat>
+          <inkml:channel name="X" type="integer" min="-2.14748E9" max="2.14748E9" units="cm"/>
+          <inkml:channel name="Y" type="integer" min="-2.14748E9" max="2.14748E9" units="cm"/>
+        </inkml:traceFormat>
+        <inkml:channelProperties>
+          <inkml:channelProperty channel="X" name="resolution" value="1000" units="1/cm"/>
+          <inkml:channelProperty channel="Y" name="resolution" value="1000" units="1/cm"/>
+        </inkml:channelProperties>
+      </inkml:inkSource>
+      <inkml:timestamp xml:id="ts0" timeString="2022-08-19T22:02:59.844"/>
+    </inkml:context>
+    <inkml:brush xml:id="br0">
+      <inkml:brushProperty name="width" value="0.3" units="cm"/>
+      <inkml:brushProperty name="height" value="0.6" units="cm"/>
+      <inkml:brushProperty name="color" value="#FFFC00"/>
+      <inkml:brushProperty name="tip" value="rectangle"/>
+      <inkml:brushProperty name="rasterOp" value="maskPen"/>
+      <inkml:brushProperty name="ignorePressure" value="1"/>
+    </inkml:brush>
+  </inkml:definitions>
+  <inkml:trace contextRef="#ctx0" brushRef="#br0">1 1,'4035'0,"-3848"15,-22 0,2 0,6 0,926-13,-532-4,402 2,-936 2,1 1,-1 2,50 14,-41-9,58 7,347-10,-246-10,5950 3,-6129-1,0-2,37-7,-12 0,-21 6</inkml:trace>
+</inkml:ink>
+</file>
+
+<file path=ppt/ink/ink9.xml><?xml version="1.0" encoding="utf-8"?>
+<inkml:ink xmlns:inkml="http://www.w3.org/2003/InkML">
+  <inkml:definitions>
+    <inkml:context xml:id="ctx0">
+      <inkml:inkSource xml:id="inkSrc0">
+        <inkml:traceFormat>
+          <inkml:channel name="X" type="integer" min="-2.14748E9" max="2.14748E9" units="cm"/>
+          <inkml:channel name="Y" type="integer" min="-2.14748E9" max="2.14748E9" units="cm"/>
+        </inkml:traceFormat>
+        <inkml:channelProperties>
+          <inkml:channelProperty channel="X" name="resolution" value="1000" units="1/cm"/>
+          <inkml:channelProperty channel="Y" name="resolution" value="1000" units="1/cm"/>
+        </inkml:channelProperties>
+      </inkml:inkSource>
+      <inkml:timestamp xml:id="ts0" timeString="2022-08-19T22:03:05.278"/>
+    </inkml:context>
+    <inkml:brush xml:id="br0">
+      <inkml:brushProperty name="width" value="0.3" units="cm"/>
+      <inkml:brushProperty name="height" value="0.6" units="cm"/>
+      <inkml:brushProperty name="color" value="#FFFC00"/>
+      <inkml:brushProperty name="tip" value="rectangle"/>
+      <inkml:brushProperty name="rasterOp" value="maskPen"/>
+      <inkml:brushProperty name="ignorePressure" value="1"/>
+    </inkml:brush>
+  </inkml:definitions>
+  <inkml:trace contextRef="#ctx0" brushRef="#br0">1 245,'204'-15,"-24"1,929 10,-566 7,-354-1,209-5,-360-1,0-2,-1-2,55-18,-50 13,0 2,59-8,45 10,148 11,-97 2,5343-4,-5518-2,0 0,1-2,-1 0,37-14,-34 10,0 1,52-6,265 11,-10 1,-122-29,-121 18,-31 3,93-2,2513 14,-1460-5,-1188 4,0-1,0 2,0 0,0 1,-1 1,20 8,-17-6,0-1,0 0,0-1,23 2,63 7,-59-7,61 3,-53-9,89 15,-113-10</inkml:trace>
+</inkml:ink>
 </file>
 
 <file path=ppt/notesMasters/notesMaster1.xml><?xml version="1.0" encoding="utf-8"?>
@@ -208,7 +592,7 @@
           <a:p>
             <a:fld id="{B21154BE-553B-48D9-8ADA-D519CA6D831A}" type="datetimeFigureOut">
               <a:rPr lang="en-US" smtClean="0"/>
-              <a:t>8/18/2022</a:t>
+              <a:t>8/19/2022</a:t>
             </a:fld>
             <a:endParaRPr lang="en-US"/>
           </a:p>
@@ -689,6 +1073,93 @@
 </p:notes>
 </file>
 
+<file path=ppt/notesSlides/notesSlide11.xml><?xml version="1.0" encoding="utf-8"?>
+<p:notes xmlns:a="http://schemas.openxmlformats.org/drawingml/2006/main" xmlns:r="http://schemas.openxmlformats.org/officeDocument/2006/relationships" xmlns:p="http://schemas.openxmlformats.org/presentationml/2006/main">
+  <p:cSld>
+    <p:spTree>
+      <p:nvGrpSpPr>
+        <p:cNvPr id="1" name=""/>
+        <p:cNvGrpSpPr/>
+        <p:nvPr/>
+      </p:nvGrpSpPr>
+      <p:grpSpPr>
+        <a:xfrm>
+          <a:off x="0" y="0"/>
+          <a:ext cx="0" cy="0"/>
+          <a:chOff x="0" y="0"/>
+          <a:chExt cx="0" cy="0"/>
+        </a:xfrm>
+      </p:grpSpPr>
+      <p:sp>
+        <p:nvSpPr>
+          <p:cNvPr id="2" name="Slide Image Placeholder 1"/>
+          <p:cNvSpPr>
+            <a:spLocks noGrp="1" noRot="1" noChangeAspect="1"/>
+          </p:cNvSpPr>
+          <p:nvPr>
+            <p:ph type="sldImg"/>
+          </p:nvPr>
+        </p:nvSpPr>
+        <p:spPr/>
+      </p:sp>
+      <p:sp>
+        <p:nvSpPr>
+          <p:cNvPr id="3" name="Notes Placeholder 2"/>
+          <p:cNvSpPr>
+            <a:spLocks noGrp="1"/>
+          </p:cNvSpPr>
+          <p:nvPr>
+            <p:ph type="body" idx="1"/>
+          </p:nvPr>
+        </p:nvSpPr>
+        <p:spPr/>
+        <p:txBody>
+          <a:bodyPr/>
+          <a:lstStyle/>
+          <a:p>
+            <a:r>
+              <a:rPr lang="en-US" dirty="0"/>
+              <a:t>Maybe a mean limitation type in each ecoregion map would be useful here too. </a:t>
+            </a:r>
+          </a:p>
+        </p:txBody>
+      </p:sp>
+      <p:sp>
+        <p:nvSpPr>
+          <p:cNvPr id="4" name="Slide Number Placeholder 3"/>
+          <p:cNvSpPr>
+            <a:spLocks noGrp="1"/>
+          </p:cNvSpPr>
+          <p:nvPr>
+            <p:ph type="sldNum" sz="quarter" idx="5"/>
+          </p:nvPr>
+        </p:nvSpPr>
+        <p:spPr/>
+        <p:txBody>
+          <a:bodyPr/>
+          <a:lstStyle/>
+          <a:p>
+            <a:fld id="{D62FB13E-DF37-44EF-AE08-6048C45AE697}" type="slidenum">
+              <a:rPr lang="en-US" smtClean="0"/>
+              <a:t>19</a:t>
+            </a:fld>
+            <a:endParaRPr lang="en-US"/>
+          </a:p>
+        </p:txBody>
+      </p:sp>
+    </p:spTree>
+    <p:extLst>
+      <p:ext uri="{BB962C8B-B14F-4D97-AF65-F5344CB8AC3E}">
+        <p14:creationId xmlns:p14="http://schemas.microsoft.com/office/powerpoint/2010/main" val="1662707167"/>
+      </p:ext>
+    </p:extLst>
+  </p:cSld>
+  <p:clrMapOvr>
+    <a:masterClrMapping/>
+  </p:clrMapOvr>
+</p:notes>
+</file>
+
 <file path=ppt/notesSlides/notesSlide2.xml><?xml version="1.0" encoding="utf-8"?>
 <p:notes xmlns:a="http://schemas.openxmlformats.org/drawingml/2006/main" xmlns:r="http://schemas.openxmlformats.org/officeDocument/2006/relationships" xmlns:p="http://schemas.openxmlformats.org/presentationml/2006/main">
   <p:cSld>
@@ -1667,7 +2138,7 @@
           <a:p>
             <a:fld id="{7C9F49F2-8020-4F63-93BF-404F44ABCE54}" type="datetimeFigureOut">
               <a:rPr lang="en-US" smtClean="0"/>
-              <a:t>8/18/2022</a:t>
+              <a:t>8/19/2022</a:t>
             </a:fld>
             <a:endParaRPr lang="en-US"/>
           </a:p>
@@ -1865,7 +2336,7 @@
           <a:p>
             <a:fld id="{7C9F49F2-8020-4F63-93BF-404F44ABCE54}" type="datetimeFigureOut">
               <a:rPr lang="en-US" smtClean="0"/>
-              <a:t>8/18/2022</a:t>
+              <a:t>8/19/2022</a:t>
             </a:fld>
             <a:endParaRPr lang="en-US"/>
           </a:p>
@@ -2073,7 +2544,7 @@
           <a:p>
             <a:fld id="{7C9F49F2-8020-4F63-93BF-404F44ABCE54}" type="datetimeFigureOut">
               <a:rPr lang="en-US" smtClean="0"/>
-              <a:t>8/18/2022</a:t>
+              <a:t>8/19/2022</a:t>
             </a:fld>
             <a:endParaRPr lang="en-US"/>
           </a:p>
@@ -2271,7 +2742,7 @@
           <a:p>
             <a:fld id="{7C9F49F2-8020-4F63-93BF-404F44ABCE54}" type="datetimeFigureOut">
               <a:rPr lang="en-US" smtClean="0"/>
-              <a:t>8/18/2022</a:t>
+              <a:t>8/19/2022</a:t>
             </a:fld>
             <a:endParaRPr lang="en-US"/>
           </a:p>
@@ -2546,7 +3017,7 @@
           <a:p>
             <a:fld id="{7C9F49F2-8020-4F63-93BF-404F44ABCE54}" type="datetimeFigureOut">
               <a:rPr lang="en-US" smtClean="0"/>
-              <a:t>8/18/2022</a:t>
+              <a:t>8/19/2022</a:t>
             </a:fld>
             <a:endParaRPr lang="en-US"/>
           </a:p>
@@ -2811,7 +3282,7 @@
           <a:p>
             <a:fld id="{7C9F49F2-8020-4F63-93BF-404F44ABCE54}" type="datetimeFigureOut">
               <a:rPr lang="en-US" smtClean="0"/>
-              <a:t>8/18/2022</a:t>
+              <a:t>8/19/2022</a:t>
             </a:fld>
             <a:endParaRPr lang="en-US"/>
           </a:p>
@@ -3223,7 +3694,7 @@
           <a:p>
             <a:fld id="{7C9F49F2-8020-4F63-93BF-404F44ABCE54}" type="datetimeFigureOut">
               <a:rPr lang="en-US" smtClean="0"/>
-              <a:t>8/18/2022</a:t>
+              <a:t>8/19/2022</a:t>
             </a:fld>
             <a:endParaRPr lang="en-US"/>
           </a:p>
@@ -3364,7 +3835,7 @@
           <a:p>
             <a:fld id="{7C9F49F2-8020-4F63-93BF-404F44ABCE54}" type="datetimeFigureOut">
               <a:rPr lang="en-US" smtClean="0"/>
-              <a:t>8/18/2022</a:t>
+              <a:t>8/19/2022</a:t>
             </a:fld>
             <a:endParaRPr lang="en-US"/>
           </a:p>
@@ -3477,7 +3948,7 @@
           <a:p>
             <a:fld id="{7C9F49F2-8020-4F63-93BF-404F44ABCE54}" type="datetimeFigureOut">
               <a:rPr lang="en-US" smtClean="0"/>
-              <a:t>8/18/2022</a:t>
+              <a:t>8/19/2022</a:t>
             </a:fld>
             <a:endParaRPr lang="en-US"/>
           </a:p>
@@ -3788,7 +4259,7 @@
           <a:p>
             <a:fld id="{7C9F49F2-8020-4F63-93BF-404F44ABCE54}" type="datetimeFigureOut">
               <a:rPr lang="en-US" smtClean="0"/>
-              <a:t>8/18/2022</a:t>
+              <a:t>8/19/2022</a:t>
             </a:fld>
             <a:endParaRPr lang="en-US"/>
           </a:p>
@@ -4076,7 +4547,7 @@
           <a:p>
             <a:fld id="{7C9F49F2-8020-4F63-93BF-404F44ABCE54}" type="datetimeFigureOut">
               <a:rPr lang="en-US" smtClean="0"/>
-              <a:t>8/18/2022</a:t>
+              <a:t>8/19/2022</a:t>
             </a:fld>
             <a:endParaRPr lang="en-US"/>
           </a:p>
@@ -4317,7 +4788,7 @@
           <a:p>
             <a:fld id="{7C9F49F2-8020-4F63-93BF-404F44ABCE54}" type="datetimeFigureOut">
               <a:rPr lang="en-US" smtClean="0"/>
-              <a:t>8/18/2022</a:t>
+              <a:t>8/19/2022</a:t>
             </a:fld>
             <a:endParaRPr lang="en-US"/>
           </a:p>
@@ -5444,7 +5915,15 @@
           <a:p>
             <a:r>
               <a:rPr lang="en-US" dirty="0"/>
-              <a:t>Change analysis for shifts in N-limited lakes within trophic status</a:t>
+              <a:t>Change analysis for shifts in</a:t>
+            </a:r>
+            <a:r>
+              <a:rPr lang="en-US" b="1" dirty="0"/>
+              <a:t> N-limited </a:t>
+            </a:r>
+            <a:r>
+              <a:rPr lang="en-US" dirty="0"/>
+              <a:t>lakes within trophic status</a:t>
             </a:r>
           </a:p>
           <a:p>
@@ -5940,53 +6419,1801 @@
           <a:chExt cx="0" cy="0"/>
         </a:xfrm>
       </p:grpSpPr>
-      <p:sp>
-        <p:nvSpPr>
-          <p:cNvPr id="2" name="Title 1">
-            <a:extLst>
-              <a:ext uri="{FF2B5EF4-FFF2-40B4-BE49-F238E27FC236}">
-                <a16:creationId xmlns:a16="http://schemas.microsoft.com/office/drawing/2014/main" id="{A167AE7F-9075-C009-382C-8D6F3BAB206D}"/>
-              </a:ext>
-            </a:extLst>
-          </p:cNvPr>
-          <p:cNvSpPr>
-            <a:spLocks noGrp="1"/>
-          </p:cNvSpPr>
-          <p:nvPr>
-            <p:ph type="title"/>
-          </p:nvPr>
-        </p:nvSpPr>
-        <p:spPr/>
-        <p:txBody>
-          <a:bodyPr/>
+      <mc:AlternateContent xmlns:mc="http://schemas.openxmlformats.org/markup-compatibility/2006">
+        <mc:Choice xmlns:a14="http://schemas.microsoft.com/office/drawing/2010/main" Requires="a14">
+          <p:sp>
+            <p:nvSpPr>
+              <p:cNvPr id="4" name="TextBox 3">
+                <a:extLst>
+                  <a:ext uri="{FF2B5EF4-FFF2-40B4-BE49-F238E27FC236}">
+                    <a16:creationId xmlns:a16="http://schemas.microsoft.com/office/drawing/2014/main" id="{F1CF226E-70E2-609C-539F-64E68769A9FE}"/>
+                  </a:ext>
+                </a:extLst>
+              </p:cNvPr>
+              <p:cNvSpPr txBox="1"/>
+              <p:nvPr/>
+            </p:nvSpPr>
+            <p:spPr>
+              <a:xfrm>
+                <a:off x="1001208" y="1342475"/>
+                <a:ext cx="9352345" cy="949491"/>
+              </a:xfrm>
+              <a:prstGeom prst="rect">
+                <a:avLst/>
+              </a:prstGeom>
+              <a:noFill/>
+            </p:spPr>
+            <p:txBody>
+              <a:bodyPr wrap="square" rtlCol="0">
+                <a:spAutoFit/>
+              </a:bodyPr>
+              <a:lstStyle/>
+              <a:p>
+                <a:r>
+                  <a:rPr lang="en-US" dirty="0"/>
+                  <a:t>Linear model 1: r</a:t>
+                </a:r>
+                <a:r>
+                  <a:rPr lang="en-US" baseline="30000" dirty="0"/>
+                  <a:t>2</a:t>
+                </a:r>
+                <a:r>
+                  <a:rPr lang="en-US" dirty="0"/>
+                  <a:t> = 0.54</a:t>
+                </a:r>
+              </a:p>
+              <a:p>
+                <a:pPr/>
+                <a14:m>
+                  <m:oMathPara xmlns:m="http://schemas.openxmlformats.org/officeDocument/2006/math">
+                    <m:oMathParaPr>
+                      <m:jc m:val="centerGroup"/>
+                    </m:oMathParaPr>
+                    <m:oMath xmlns:m="http://schemas.openxmlformats.org/officeDocument/2006/math">
+                      <m:func>
+                        <m:funcPr>
+                          <m:ctrlPr>
+                            <a:rPr lang="en-US" i="1" smtClean="0">
+                              <a:solidFill>
+                                <a:schemeClr val="tx1"/>
+                              </a:solidFill>
+                              <a:latin typeface="Cambria Math" panose="02040503050406030204" pitchFamily="18" charset="0"/>
+                            </a:rPr>
+                          </m:ctrlPr>
+                        </m:funcPr>
+                        <m:fName>
+                          <m:sSub>
+                            <m:sSubPr>
+                              <m:ctrlPr>
+                                <a:rPr lang="en-US" i="1" smtClean="0">
+                                  <a:solidFill>
+                                    <a:schemeClr val="tx1"/>
+                                  </a:solidFill>
+                                  <a:latin typeface="Cambria Math" panose="02040503050406030204" pitchFamily="18" charset="0"/>
+                                </a:rPr>
+                              </m:ctrlPr>
+                            </m:sSubPr>
+                            <m:e>
+                              <m:r>
+                                <m:rPr>
+                                  <m:sty m:val="p"/>
+                                </m:rPr>
+                                <a:rPr lang="en-US" i="1" smtClean="0">
+                                  <a:solidFill>
+                                    <a:schemeClr val="tx1"/>
+                                  </a:solidFill>
+                                  <a:latin typeface="Cambria Math" panose="02040503050406030204" pitchFamily="18" charset="0"/>
+                                </a:rPr>
+                                <m:t>log</m:t>
+                              </m:r>
+                            </m:e>
+                            <m:sub>
+                              <m:r>
+                                <a:rPr lang="en-US" i="1" smtClean="0">
+                                  <a:solidFill>
+                                    <a:schemeClr val="tx1"/>
+                                  </a:solidFill>
+                                  <a:latin typeface="Cambria Math" panose="02040503050406030204" pitchFamily="18" charset="0"/>
+                                </a:rPr>
+                                <m:t>10</m:t>
+                              </m:r>
+                            </m:sub>
+                          </m:sSub>
+                        </m:fName>
+                        <m:e>
+                          <m:d>
+                            <m:dPr>
+                              <m:ctrlPr>
+                                <a:rPr lang="en-US" i="1" smtClean="0">
+                                  <a:solidFill>
+                                    <a:schemeClr val="tx1"/>
+                                  </a:solidFill>
+                                  <a:latin typeface="Cambria Math" panose="02040503050406030204" pitchFamily="18" charset="0"/>
+                                </a:rPr>
+                              </m:ctrlPr>
+                            </m:dPr>
+                            <m:e>
+                              <m:r>
+                                <a:rPr lang="en-US" b="0" i="1" smtClean="0">
+                                  <a:solidFill>
+                                    <a:schemeClr val="tx1"/>
+                                  </a:solidFill>
+                                  <a:latin typeface="Cambria Math" panose="02040503050406030204" pitchFamily="18" charset="0"/>
+                                </a:rPr>
+                                <m:t>𝑐h𝑙𝑜𝑟𝑜𝑝h𝑦𝑙</m:t>
+                              </m:r>
+                              <m:r>
+                                <a:rPr lang="en-US" b="0" i="1" smtClean="0">
+                                  <a:solidFill>
+                                    <a:schemeClr val="tx1"/>
+                                  </a:solidFill>
+                                  <a:latin typeface="Cambria Math" panose="02040503050406030204" pitchFamily="18" charset="0"/>
+                                </a:rPr>
+                                <m:t> </m:t>
+                              </m:r>
+                              <m:r>
+                                <a:rPr lang="en-US" b="0" i="1" smtClean="0">
+                                  <a:solidFill>
+                                    <a:schemeClr val="tx1"/>
+                                  </a:solidFill>
+                                  <a:latin typeface="Cambria Math" panose="02040503050406030204" pitchFamily="18" charset="0"/>
+                                </a:rPr>
+                                <m:t>𝑐𝑜𝑛𝑐𝑒𝑛𝑡𝑟𝑎𝑡𝑖𝑜𝑛</m:t>
+                              </m:r>
+                            </m:e>
+                          </m:d>
+                        </m:e>
+                      </m:func>
+                      <m:r>
+                        <a:rPr lang="en-US" i="1" smtClean="0">
+                          <a:solidFill>
+                            <a:schemeClr val="tx1"/>
+                          </a:solidFill>
+                          <a:latin typeface="Cambria Math" panose="02040503050406030204" pitchFamily="18" charset="0"/>
+                        </a:rPr>
+                        <m:t>~</m:t>
+                      </m:r>
+                      <m:sSub>
+                        <m:sSubPr>
+                          <m:ctrlPr>
+                            <a:rPr lang="en-US" i="1">
+                              <a:solidFill>
+                                <a:schemeClr val="tx1"/>
+                              </a:solidFill>
+                              <a:latin typeface="Cambria Math" panose="02040503050406030204" pitchFamily="18" charset="0"/>
+                            </a:rPr>
+                          </m:ctrlPr>
+                        </m:sSubPr>
+                        <m:e>
+                          <m:r>
+                            <m:rPr>
+                              <m:sty m:val="p"/>
+                            </m:rPr>
+                            <a:rPr lang="en-US" i="1">
+                              <a:solidFill>
+                                <a:schemeClr val="tx1"/>
+                              </a:solidFill>
+                              <a:latin typeface="Cambria Math" panose="02040503050406030204" pitchFamily="18" charset="0"/>
+                            </a:rPr>
+                            <m:t>log</m:t>
+                          </m:r>
+                        </m:e>
+                        <m:sub>
+                          <m:r>
+                            <a:rPr lang="en-US" i="1">
+                              <a:solidFill>
+                                <a:schemeClr val="tx1"/>
+                              </a:solidFill>
+                              <a:latin typeface="Cambria Math" panose="02040503050406030204" pitchFamily="18" charset="0"/>
+                            </a:rPr>
+                            <m:t>10</m:t>
+                          </m:r>
+                        </m:sub>
+                      </m:sSub>
+                      <m:d>
+                        <m:dPr>
+                          <m:ctrlPr>
+                            <a:rPr lang="en-US" i="1" smtClean="0">
+                              <a:solidFill>
+                                <a:schemeClr val="tx1"/>
+                              </a:solidFill>
+                              <a:latin typeface="Cambria Math" panose="02040503050406030204" pitchFamily="18" charset="0"/>
+                            </a:rPr>
+                          </m:ctrlPr>
+                        </m:dPr>
+                        <m:e>
+                          <m:r>
+                            <a:rPr lang="en-US" i="1" smtClean="0">
+                              <a:solidFill>
+                                <a:schemeClr val="tx1"/>
+                              </a:solidFill>
+                              <a:latin typeface="Cambria Math" panose="02040503050406030204" pitchFamily="18" charset="0"/>
+                            </a:rPr>
+                            <m:t>𝑛𝑢𝑡</m:t>
+                          </m:r>
+                          <m:r>
+                            <a:rPr lang="en-US" b="0" i="1" smtClean="0">
+                              <a:solidFill>
+                                <a:schemeClr val="tx1"/>
+                              </a:solidFill>
+                              <a:latin typeface="Cambria Math" panose="02040503050406030204" pitchFamily="18" charset="0"/>
+                            </a:rPr>
+                            <m:t>𝑟𝑖𝑒𝑛𝑡</m:t>
+                          </m:r>
+                          <m:r>
+                            <a:rPr lang="en-US" b="0" i="1" smtClean="0">
+                              <a:solidFill>
+                                <a:schemeClr val="tx1"/>
+                              </a:solidFill>
+                              <a:latin typeface="Cambria Math" panose="02040503050406030204" pitchFamily="18" charset="0"/>
+                            </a:rPr>
+                            <m:t> </m:t>
+                          </m:r>
+                          <m:r>
+                            <a:rPr lang="en-US" b="0" i="1" smtClean="0">
+                              <a:solidFill>
+                                <a:schemeClr val="tx1"/>
+                              </a:solidFill>
+                              <a:latin typeface="Cambria Math" panose="02040503050406030204" pitchFamily="18" charset="0"/>
+                            </a:rPr>
+                            <m:t>𝑐𝑜𝑛𝑐𝑒𝑛𝑡𝑟𝑎𝑡𝑖𝑜𝑛</m:t>
+                          </m:r>
+                        </m:e>
+                      </m:d>
+                      <m:r>
+                        <a:rPr lang="en-US" i="1" smtClean="0">
+                          <a:solidFill>
+                            <a:schemeClr val="tx1"/>
+                          </a:solidFill>
+                          <a:latin typeface="Cambria Math" panose="02040503050406030204" pitchFamily="18" charset="0"/>
+                        </a:rPr>
+                        <m:t>∗</m:t>
+                      </m:r>
+                      <m:r>
+                        <a:rPr lang="en-US" i="1" smtClean="0">
+                          <a:solidFill>
+                            <a:schemeClr val="tx1"/>
+                          </a:solidFill>
+                          <a:latin typeface="Cambria Math" panose="02040503050406030204" pitchFamily="18" charset="0"/>
+                        </a:rPr>
+                        <m:t>𝑛𝑢𝑡𝑟𝑖</m:t>
+                      </m:r>
+                      <m:r>
+                        <a:rPr lang="en-US" b="0" i="1" smtClean="0">
+                          <a:solidFill>
+                            <a:schemeClr val="tx1"/>
+                          </a:solidFill>
+                          <a:latin typeface="Cambria Math" panose="02040503050406030204" pitchFamily="18" charset="0"/>
+                        </a:rPr>
+                        <m:t>𝑒𝑛𝑡</m:t>
+                      </m:r>
+                    </m:oMath>
+                  </m:oMathPara>
+                </a14:m>
+                <a:endParaRPr lang="en-US" dirty="0">
+                  <a:solidFill>
+                    <a:schemeClr val="tx1"/>
+                  </a:solidFill>
+                </a:endParaRPr>
+              </a:p>
+              <a:p>
+                <a:endParaRPr lang="en-US" dirty="0"/>
+              </a:p>
+            </p:txBody>
+          </p:sp>
+        </mc:Choice>
+        <mc:Fallback>
+          <p:sp>
+            <p:nvSpPr>
+              <p:cNvPr id="4" name="TextBox 3">
+                <a:extLst>
+                  <a:ext uri="{FF2B5EF4-FFF2-40B4-BE49-F238E27FC236}">
+                    <a16:creationId xmlns:a16="http://schemas.microsoft.com/office/drawing/2014/main" id="{F1CF226E-70E2-609C-539F-64E68769A9FE}"/>
+                  </a:ext>
+                </a:extLst>
+              </p:cNvPr>
+              <p:cNvSpPr txBox="1">
+                <a:spLocks noRot="1" noChangeAspect="1" noMove="1" noResize="1" noEditPoints="1" noAdjustHandles="1" noChangeArrowheads="1" noChangeShapeType="1" noTextEdit="1"/>
+              </p:cNvSpPr>
+              <p:nvPr/>
+            </p:nvSpPr>
+            <p:spPr>
+              <a:xfrm>
+                <a:off x="1001208" y="1342475"/>
+                <a:ext cx="9352345" cy="949491"/>
+              </a:xfrm>
+              <a:prstGeom prst="rect">
+                <a:avLst/>
+              </a:prstGeom>
+              <a:blipFill>
+                <a:blip r:embed="rId2"/>
+                <a:stretch>
+                  <a:fillRect l="-522" t="-3205"/>
+                </a:stretch>
+              </a:blipFill>
+            </p:spPr>
+            <p:txBody>
+              <a:bodyPr/>
+              <a:lstStyle/>
+              <a:p>
+                <a:r>
+                  <a:rPr lang="en-US">
+                    <a:noFill/>
+                  </a:rPr>
+                  <a:t> </a:t>
+                </a:r>
+              </a:p>
+            </p:txBody>
+          </p:sp>
+        </mc:Fallback>
+      </mc:AlternateContent>
+      <p:sp>
+        <p:nvSpPr>
+          <p:cNvPr id="5" name="TextBox 4">
+            <a:extLst>
+              <a:ext uri="{FF2B5EF4-FFF2-40B4-BE49-F238E27FC236}">
+                <a16:creationId xmlns:a16="http://schemas.microsoft.com/office/drawing/2014/main" id="{90724EBE-2283-47FF-2802-CA5428D754F6}"/>
+              </a:ext>
+            </a:extLst>
+          </p:cNvPr>
+          <p:cNvSpPr txBox="1"/>
+          <p:nvPr/>
+        </p:nvSpPr>
+        <p:spPr>
+          <a:xfrm>
+            <a:off x="287437" y="279721"/>
+            <a:ext cx="9352345" cy="1200329"/>
+          </a:xfrm>
+          <a:prstGeom prst="rect">
+            <a:avLst/>
+          </a:prstGeom>
+          <a:noFill/>
+        </p:spPr>
+        <p:txBody>
+          <a:bodyPr wrap="square" rtlCol="0">
+            <a:spAutoFit/>
+          </a:bodyPr>
           <a:lstStyle/>
           <a:p>
-            <a:endParaRPr lang="en-US"/>
-          </a:p>
-        </p:txBody>
-      </p:sp>
-      <p:sp>
-        <p:nvSpPr>
-          <p:cNvPr id="3" name="Content Placeholder 2">
-            <a:extLst>
-              <a:ext uri="{FF2B5EF4-FFF2-40B4-BE49-F238E27FC236}">
-                <a16:creationId xmlns:a16="http://schemas.microsoft.com/office/drawing/2014/main" id="{5DBD2789-679D-3EBD-8FC9-874013A1EA8C}"/>
-              </a:ext>
-            </a:extLst>
-          </p:cNvPr>
-          <p:cNvSpPr>
-            <a:spLocks noGrp="1"/>
-          </p:cNvSpPr>
-          <p:nvPr>
-            <p:ph idx="1"/>
-          </p:nvPr>
-        </p:nvSpPr>
-        <p:spPr/>
-        <p:txBody>
-          <a:bodyPr/>
+            <a:pPr marL="285750" indent="-285750">
+              <a:buFont typeface="Wingdings" panose="05000000000000000000" pitchFamily="2" charset="2"/>
+              <a:buChar char="v"/>
+            </a:pPr>
+            <a:r>
+              <a:rPr lang="en-US" dirty="0"/>
+              <a:t>Using chlorophyll-a as a proxy for trophic status since trophic status is determined by chlorophyll concentration. </a:t>
+            </a:r>
+          </a:p>
+          <a:p>
+            <a:endParaRPr lang="en-US" dirty="0"/>
+          </a:p>
+          <a:p>
+            <a:endParaRPr lang="en-US" dirty="0"/>
+          </a:p>
+        </p:txBody>
+      </p:sp>
+      <mc:AlternateContent xmlns:mc="http://schemas.openxmlformats.org/markup-compatibility/2006">
+        <mc:Choice xmlns:a14="http://schemas.microsoft.com/office/drawing/2010/main" Requires="a14">
+          <p:sp>
+            <p:nvSpPr>
+              <p:cNvPr id="7" name="TextBox 6">
+                <a:extLst>
+                  <a:ext uri="{FF2B5EF4-FFF2-40B4-BE49-F238E27FC236}">
+                    <a16:creationId xmlns:a16="http://schemas.microsoft.com/office/drawing/2014/main" id="{E8845507-CD8E-CF0D-E9F7-BD1D9FAE5F65}"/>
+                  </a:ext>
+                </a:extLst>
+              </p:cNvPr>
+              <p:cNvSpPr txBox="1"/>
+              <p:nvPr/>
+            </p:nvSpPr>
+            <p:spPr>
+              <a:xfrm>
+                <a:off x="1001208" y="2291966"/>
+                <a:ext cx="10189582" cy="923330"/>
+              </a:xfrm>
+              <a:prstGeom prst="rect">
+                <a:avLst/>
+              </a:prstGeom>
+              <a:noFill/>
+            </p:spPr>
+            <p:txBody>
+              <a:bodyPr wrap="square" rtlCol="0">
+                <a:spAutoFit/>
+              </a:bodyPr>
+              <a:lstStyle/>
+              <a:p>
+                <a:r>
+                  <a:rPr lang="en-US" dirty="0"/>
+                  <a:t>Linear model 2: r</a:t>
+                </a:r>
+                <a:r>
+                  <a:rPr lang="en-US" baseline="30000" dirty="0"/>
+                  <a:t>2</a:t>
+                </a:r>
+                <a:r>
+                  <a:rPr lang="en-US" dirty="0"/>
+                  <a:t> = 0.59</a:t>
+                </a:r>
+              </a:p>
+              <a:p>
+                <a:pPr/>
+                <a14:m>
+                  <m:oMathPara xmlns:m="http://schemas.openxmlformats.org/officeDocument/2006/math">
+                    <m:oMathParaPr>
+                      <m:jc m:val="centerGroup"/>
+                    </m:oMathParaPr>
+                    <m:oMath xmlns:m="http://schemas.openxmlformats.org/officeDocument/2006/math">
+                      <m:func>
+                        <m:funcPr>
+                          <m:ctrlPr>
+                            <a:rPr lang="en-US" i="1" smtClean="0">
+                              <a:solidFill>
+                                <a:schemeClr val="tx1"/>
+                              </a:solidFill>
+                              <a:latin typeface="Cambria Math" panose="02040503050406030204" pitchFamily="18" charset="0"/>
+                            </a:rPr>
+                          </m:ctrlPr>
+                        </m:funcPr>
+                        <m:fName>
+                          <m:sSub>
+                            <m:sSubPr>
+                              <m:ctrlPr>
+                                <a:rPr lang="en-US" i="1" smtClean="0">
+                                  <a:solidFill>
+                                    <a:schemeClr val="tx1"/>
+                                  </a:solidFill>
+                                  <a:latin typeface="Cambria Math" panose="02040503050406030204" pitchFamily="18" charset="0"/>
+                                </a:rPr>
+                              </m:ctrlPr>
+                            </m:sSubPr>
+                            <m:e>
+                              <m:r>
+                                <m:rPr>
+                                  <m:sty m:val="p"/>
+                                </m:rPr>
+                                <a:rPr lang="en-US" i="1" smtClean="0">
+                                  <a:solidFill>
+                                    <a:schemeClr val="tx1"/>
+                                  </a:solidFill>
+                                  <a:latin typeface="Cambria Math" panose="02040503050406030204" pitchFamily="18" charset="0"/>
+                                </a:rPr>
+                                <m:t>log</m:t>
+                              </m:r>
+                            </m:e>
+                            <m:sub>
+                              <m:r>
+                                <a:rPr lang="en-US" i="1" smtClean="0">
+                                  <a:solidFill>
+                                    <a:schemeClr val="tx1"/>
+                                  </a:solidFill>
+                                  <a:latin typeface="Cambria Math" panose="02040503050406030204" pitchFamily="18" charset="0"/>
+                                </a:rPr>
+                                <m:t>10</m:t>
+                              </m:r>
+                            </m:sub>
+                          </m:sSub>
+                        </m:fName>
+                        <m:e>
+                          <m:d>
+                            <m:dPr>
+                              <m:ctrlPr>
+                                <a:rPr lang="en-US" i="1" smtClean="0">
+                                  <a:solidFill>
+                                    <a:schemeClr val="tx1"/>
+                                  </a:solidFill>
+                                  <a:latin typeface="Cambria Math" panose="02040503050406030204" pitchFamily="18" charset="0"/>
+                                </a:rPr>
+                              </m:ctrlPr>
+                            </m:dPr>
+                            <m:e>
+                              <m:r>
+                                <a:rPr lang="en-US" b="0" i="1" smtClean="0">
+                                  <a:solidFill>
+                                    <a:schemeClr val="tx1"/>
+                                  </a:solidFill>
+                                  <a:latin typeface="Cambria Math" panose="02040503050406030204" pitchFamily="18" charset="0"/>
+                                </a:rPr>
+                                <m:t>𝑐h𝑙𝑜𝑟𝑜𝑝h𝑦𝑙</m:t>
+                              </m:r>
+                              <m:r>
+                                <a:rPr lang="en-US" b="0" i="1" smtClean="0">
+                                  <a:solidFill>
+                                    <a:schemeClr val="tx1"/>
+                                  </a:solidFill>
+                                  <a:latin typeface="Cambria Math" panose="02040503050406030204" pitchFamily="18" charset="0"/>
+                                </a:rPr>
+                                <m:t> </m:t>
+                              </m:r>
+                              <m:r>
+                                <a:rPr lang="en-US" b="0" i="1" smtClean="0">
+                                  <a:solidFill>
+                                    <a:schemeClr val="tx1"/>
+                                  </a:solidFill>
+                                  <a:latin typeface="Cambria Math" panose="02040503050406030204" pitchFamily="18" charset="0"/>
+                                </a:rPr>
+                                <m:t>𝑐𝑜𝑛𝑐𝑒𝑛𝑡𝑟𝑎𝑡𝑖𝑜𝑛</m:t>
+                              </m:r>
+                            </m:e>
+                          </m:d>
+                        </m:e>
+                      </m:func>
+                      <m:r>
+                        <a:rPr lang="en-US" i="1" smtClean="0">
+                          <a:solidFill>
+                            <a:schemeClr val="tx1"/>
+                          </a:solidFill>
+                          <a:latin typeface="Cambria Math" panose="02040503050406030204" pitchFamily="18" charset="0"/>
+                        </a:rPr>
+                        <m:t>~</m:t>
+                      </m:r>
+                      <m:sSub>
+                        <m:sSubPr>
+                          <m:ctrlPr>
+                            <a:rPr lang="en-US" i="1">
+                              <a:solidFill>
+                                <a:schemeClr val="tx1"/>
+                              </a:solidFill>
+                              <a:latin typeface="Cambria Math" panose="02040503050406030204" pitchFamily="18" charset="0"/>
+                            </a:rPr>
+                          </m:ctrlPr>
+                        </m:sSubPr>
+                        <m:e>
+                          <m:r>
+                            <m:rPr>
+                              <m:sty m:val="p"/>
+                            </m:rPr>
+                            <a:rPr lang="en-US" i="1">
+                              <a:solidFill>
+                                <a:schemeClr val="tx1"/>
+                              </a:solidFill>
+                              <a:latin typeface="Cambria Math" panose="02040503050406030204" pitchFamily="18" charset="0"/>
+                            </a:rPr>
+                            <m:t>log</m:t>
+                          </m:r>
+                        </m:e>
+                        <m:sub>
+                          <m:r>
+                            <a:rPr lang="en-US" i="1">
+                              <a:solidFill>
+                                <a:schemeClr val="tx1"/>
+                              </a:solidFill>
+                              <a:latin typeface="Cambria Math" panose="02040503050406030204" pitchFamily="18" charset="0"/>
+                            </a:rPr>
+                            <m:t>10</m:t>
+                          </m:r>
+                        </m:sub>
+                      </m:sSub>
+                      <m:d>
+                        <m:dPr>
+                          <m:ctrlPr>
+                            <a:rPr lang="en-US" i="1" smtClean="0">
+                              <a:solidFill>
+                                <a:schemeClr val="tx1"/>
+                              </a:solidFill>
+                              <a:latin typeface="Cambria Math" panose="02040503050406030204" pitchFamily="18" charset="0"/>
+                            </a:rPr>
+                          </m:ctrlPr>
+                        </m:dPr>
+                        <m:e>
+                          <m:r>
+                            <a:rPr lang="en-US" i="1" smtClean="0">
+                              <a:solidFill>
+                                <a:schemeClr val="tx1"/>
+                              </a:solidFill>
+                              <a:latin typeface="Cambria Math" panose="02040503050406030204" pitchFamily="18" charset="0"/>
+                            </a:rPr>
+                            <m:t>𝑛𝑢𝑡</m:t>
+                          </m:r>
+                          <m:r>
+                            <a:rPr lang="en-US" b="0" i="1" smtClean="0">
+                              <a:solidFill>
+                                <a:schemeClr val="tx1"/>
+                              </a:solidFill>
+                              <a:latin typeface="Cambria Math" panose="02040503050406030204" pitchFamily="18" charset="0"/>
+                            </a:rPr>
+                            <m:t>𝑟𝑖𝑒𝑛𝑡</m:t>
+                          </m:r>
+                          <m:r>
+                            <a:rPr lang="en-US" b="0" i="1" smtClean="0">
+                              <a:solidFill>
+                                <a:schemeClr val="tx1"/>
+                              </a:solidFill>
+                              <a:latin typeface="Cambria Math" panose="02040503050406030204" pitchFamily="18" charset="0"/>
+                            </a:rPr>
+                            <m:t> </m:t>
+                          </m:r>
+                          <m:r>
+                            <a:rPr lang="en-US" b="0" i="1" smtClean="0">
+                              <a:solidFill>
+                                <a:schemeClr val="tx1"/>
+                              </a:solidFill>
+                              <a:latin typeface="Cambria Math" panose="02040503050406030204" pitchFamily="18" charset="0"/>
+                            </a:rPr>
+                            <m:t>𝑐𝑜𝑛𝑐𝑒𝑛𝑡𝑟𝑎𝑡𝑖𝑜𝑛</m:t>
+                          </m:r>
+                        </m:e>
+                      </m:d>
+                      <m:r>
+                        <a:rPr lang="en-US" i="1" smtClean="0">
+                          <a:solidFill>
+                            <a:schemeClr val="tx1"/>
+                          </a:solidFill>
+                          <a:latin typeface="Cambria Math" panose="02040503050406030204" pitchFamily="18" charset="0"/>
+                        </a:rPr>
+                        <m:t>∗</m:t>
+                      </m:r>
+                      <m:r>
+                        <a:rPr lang="en-US" i="1" smtClean="0">
+                          <a:solidFill>
+                            <a:schemeClr val="tx1"/>
+                          </a:solidFill>
+                          <a:latin typeface="Cambria Math" panose="02040503050406030204" pitchFamily="18" charset="0"/>
+                        </a:rPr>
+                        <m:t>𝑛𝑢𝑡𝑟𝑖</m:t>
+                      </m:r>
+                      <m:r>
+                        <a:rPr lang="en-US" b="0" i="1" smtClean="0">
+                          <a:solidFill>
+                            <a:schemeClr val="tx1"/>
+                          </a:solidFill>
+                          <a:latin typeface="Cambria Math" panose="02040503050406030204" pitchFamily="18" charset="0"/>
+                        </a:rPr>
+                        <m:t>𝑒𝑛𝑡</m:t>
+                      </m:r>
+                      <m:r>
+                        <a:rPr lang="en-US" b="0" i="1" smtClean="0">
+                          <a:solidFill>
+                            <a:schemeClr val="tx1"/>
+                          </a:solidFill>
+                          <a:latin typeface="Cambria Math" panose="02040503050406030204" pitchFamily="18" charset="0"/>
+                        </a:rPr>
+                        <m:t> </m:t>
+                      </m:r>
+                      <m:r>
+                        <a:rPr lang="en-US" b="0" i="1" smtClean="0">
+                          <a:solidFill>
+                            <a:schemeClr val="tx1"/>
+                          </a:solidFill>
+                          <a:latin typeface="Cambria Math" panose="02040503050406030204" pitchFamily="18" charset="0"/>
+                        </a:rPr>
+                        <m:t>𝑡𝑦𝑝𝑒</m:t>
+                      </m:r>
+                      <m:r>
+                        <a:rPr lang="en-US" b="0" i="1" smtClean="0">
+                          <a:solidFill>
+                            <a:schemeClr val="tx1"/>
+                          </a:solidFill>
+                          <a:latin typeface="Cambria Math" panose="02040503050406030204" pitchFamily="18" charset="0"/>
+                        </a:rPr>
+                        <m:t> ∗</m:t>
+                      </m:r>
+                      <m:r>
+                        <a:rPr lang="en-US" b="0" i="1" smtClean="0">
+                          <a:solidFill>
+                            <a:schemeClr val="tx1"/>
+                          </a:solidFill>
+                          <a:latin typeface="Cambria Math" panose="02040503050406030204" pitchFamily="18" charset="0"/>
+                        </a:rPr>
+                        <m:t>𝑒𝑐𝑜𝑟𝑒𝑔𝑖𝑜𝑛</m:t>
+                      </m:r>
+                    </m:oMath>
+                  </m:oMathPara>
+                </a14:m>
+                <a:endParaRPr lang="en-US" dirty="0">
+                  <a:solidFill>
+                    <a:schemeClr val="tx1"/>
+                  </a:solidFill>
+                </a:endParaRPr>
+              </a:p>
+              <a:p>
+                <a:endParaRPr lang="en-US" dirty="0"/>
+              </a:p>
+            </p:txBody>
+          </p:sp>
+        </mc:Choice>
+        <mc:Fallback>
+          <p:sp>
+            <p:nvSpPr>
+              <p:cNvPr id="7" name="TextBox 6">
+                <a:extLst>
+                  <a:ext uri="{FF2B5EF4-FFF2-40B4-BE49-F238E27FC236}">
+                    <a16:creationId xmlns:a16="http://schemas.microsoft.com/office/drawing/2014/main" id="{E8845507-CD8E-CF0D-E9F7-BD1D9FAE5F65}"/>
+                  </a:ext>
+                </a:extLst>
+              </p:cNvPr>
+              <p:cNvSpPr txBox="1">
+                <a:spLocks noRot="1" noChangeAspect="1" noMove="1" noResize="1" noEditPoints="1" noAdjustHandles="1" noChangeArrowheads="1" noChangeShapeType="1" noTextEdit="1"/>
+              </p:cNvSpPr>
+              <p:nvPr/>
+            </p:nvSpPr>
+            <p:spPr>
+              <a:xfrm>
+                <a:off x="1001208" y="2291966"/>
+                <a:ext cx="10189582" cy="923330"/>
+              </a:xfrm>
+              <a:prstGeom prst="rect">
+                <a:avLst/>
+              </a:prstGeom>
+              <a:blipFill>
+                <a:blip r:embed="rId3"/>
+                <a:stretch>
+                  <a:fillRect l="-478" t="-3974"/>
+                </a:stretch>
+              </a:blipFill>
+            </p:spPr>
+            <p:txBody>
+              <a:bodyPr/>
+              <a:lstStyle/>
+              <a:p>
+                <a:r>
+                  <a:rPr lang="en-US">
+                    <a:noFill/>
+                  </a:rPr>
+                  <a:t> </a:t>
+                </a:r>
+              </a:p>
+            </p:txBody>
+          </p:sp>
+        </mc:Fallback>
+      </mc:AlternateContent>
+      <mc:AlternateContent xmlns:mc="http://schemas.openxmlformats.org/markup-compatibility/2006">
+        <mc:Choice xmlns:a14="http://schemas.microsoft.com/office/drawing/2010/main" Requires="a14">
+          <p:sp>
+            <p:nvSpPr>
+              <p:cNvPr id="10" name="TextBox 9">
+                <a:extLst>
+                  <a:ext uri="{FF2B5EF4-FFF2-40B4-BE49-F238E27FC236}">
+                    <a16:creationId xmlns:a16="http://schemas.microsoft.com/office/drawing/2014/main" id="{BB295EC9-CAB2-E6A4-EE4E-FFB0C23DE495}"/>
+                  </a:ext>
+                </a:extLst>
+              </p:cNvPr>
+              <p:cNvSpPr txBox="1"/>
+              <p:nvPr/>
+            </p:nvSpPr>
+            <p:spPr>
+              <a:xfrm>
+                <a:off x="1001207" y="3181040"/>
+                <a:ext cx="10798907" cy="923330"/>
+              </a:xfrm>
+              <a:prstGeom prst="rect">
+                <a:avLst/>
+              </a:prstGeom>
+              <a:noFill/>
+            </p:spPr>
+            <p:txBody>
+              <a:bodyPr wrap="square">
+                <a:spAutoFit/>
+              </a:bodyPr>
+              <a:lstStyle/>
+              <a:p>
+                <a:r>
+                  <a:rPr lang="en-US" b="1" i="0" dirty="0">
+                    <a:solidFill>
+                      <a:schemeClr val="tx1"/>
+                    </a:solidFill>
+                  </a:rPr>
+                  <a:t>Comparison</a:t>
+                </a:r>
+              </a:p>
+              <a:p>
+                <a:pPr/>
+                <a:r>
+                  <a:rPr lang="en-US" dirty="0"/>
+                  <a:t>     </a:t>
+                </a:r>
+                <a14:m>
+                  <m:oMath xmlns:m="http://schemas.openxmlformats.org/officeDocument/2006/math">
+                    <m:r>
+                      <m:rPr>
+                        <m:sty m:val="p"/>
+                      </m:rPr>
+                      <a:rPr lang="en-US" b="0" i="0" smtClean="0">
+                        <a:solidFill>
+                          <a:schemeClr val="tx1"/>
+                        </a:solidFill>
+                        <a:latin typeface="Cambria Math" panose="02040503050406030204" pitchFamily="18" charset="0"/>
+                      </a:rPr>
+                      <m:t>anova</m:t>
+                    </m:r>
+                    <m:d>
+                      <m:dPr>
+                        <m:ctrlPr>
+                          <a:rPr lang="en-US" i="1" smtClean="0">
+                            <a:solidFill>
+                              <a:schemeClr val="tx1"/>
+                            </a:solidFill>
+                            <a:latin typeface="Cambria Math" panose="02040503050406030204" pitchFamily="18" charset="0"/>
+                          </a:rPr>
+                        </m:ctrlPr>
+                      </m:dPr>
+                      <m:e>
+                        <m:r>
+                          <a:rPr lang="en-US" b="0" i="1" smtClean="0">
+                            <a:solidFill>
+                              <a:schemeClr val="tx1"/>
+                            </a:solidFill>
+                            <a:latin typeface="Cambria Math" panose="02040503050406030204" pitchFamily="18" charset="0"/>
+                          </a:rPr>
+                          <m:t>𝑚𝑜𝑑𝑒𝑙</m:t>
+                        </m:r>
+                        <m:r>
+                          <a:rPr lang="en-US" b="0" i="1" smtClean="0">
+                            <a:solidFill>
+                              <a:schemeClr val="tx1"/>
+                            </a:solidFill>
+                            <a:latin typeface="Cambria Math" panose="02040503050406030204" pitchFamily="18" charset="0"/>
+                          </a:rPr>
+                          <m:t>1, </m:t>
+                        </m:r>
+                        <m:r>
+                          <a:rPr lang="en-US" b="0" i="1" smtClean="0">
+                            <a:solidFill>
+                              <a:schemeClr val="tx1"/>
+                            </a:solidFill>
+                            <a:latin typeface="Cambria Math" panose="02040503050406030204" pitchFamily="18" charset="0"/>
+                          </a:rPr>
+                          <m:t>𝑚𝑜𝑑𝑒𝑙</m:t>
+                        </m:r>
+                        <m:r>
+                          <a:rPr lang="en-US" b="0" i="1" smtClean="0">
+                            <a:solidFill>
+                              <a:schemeClr val="tx1"/>
+                            </a:solidFill>
+                            <a:latin typeface="Cambria Math" panose="02040503050406030204" pitchFamily="18" charset="0"/>
+                          </a:rPr>
+                          <m:t>2</m:t>
+                        </m:r>
+                      </m:e>
+                    </m:d>
+                  </m:oMath>
+                </a14:m>
+                <a:r>
+                  <a:rPr lang="en-US" dirty="0"/>
+                  <a:t>   - p-value is &lt; 0.0001, indicates that adding ecoregion creates a much better model 	and is likely an important variable</a:t>
+                </a:r>
+              </a:p>
+            </p:txBody>
+          </p:sp>
+        </mc:Choice>
+        <mc:Fallback>
+          <p:sp>
+            <p:nvSpPr>
+              <p:cNvPr id="10" name="TextBox 9">
+                <a:extLst>
+                  <a:ext uri="{FF2B5EF4-FFF2-40B4-BE49-F238E27FC236}">
+                    <a16:creationId xmlns:a16="http://schemas.microsoft.com/office/drawing/2014/main" id="{BB295EC9-CAB2-E6A4-EE4E-FFB0C23DE495}"/>
+                  </a:ext>
+                </a:extLst>
+              </p:cNvPr>
+              <p:cNvSpPr txBox="1">
+                <a:spLocks noRot="1" noChangeAspect="1" noMove="1" noResize="1" noEditPoints="1" noAdjustHandles="1" noChangeArrowheads="1" noChangeShapeType="1" noTextEdit="1"/>
+              </p:cNvSpPr>
+              <p:nvPr/>
+            </p:nvSpPr>
+            <p:spPr>
+              <a:xfrm>
+                <a:off x="1001207" y="3181040"/>
+                <a:ext cx="10798907" cy="923330"/>
+              </a:xfrm>
+              <a:prstGeom prst="rect">
+                <a:avLst/>
+              </a:prstGeom>
+              <a:blipFill>
+                <a:blip r:embed="rId4"/>
+                <a:stretch>
+                  <a:fillRect l="-451" t="-3974" b="-9934"/>
+                </a:stretch>
+              </a:blipFill>
+            </p:spPr>
+            <p:txBody>
+              <a:bodyPr/>
+              <a:lstStyle/>
+              <a:p>
+                <a:r>
+                  <a:rPr lang="en-US">
+                    <a:noFill/>
+                  </a:rPr>
+                  <a:t> </a:t>
+                </a:r>
+              </a:p>
+            </p:txBody>
+          </p:sp>
+        </mc:Fallback>
+      </mc:AlternateContent>
+    </p:spTree>
+    <p:extLst>
+      <p:ext uri="{BB962C8B-B14F-4D97-AF65-F5344CB8AC3E}">
+        <p14:creationId xmlns:p14="http://schemas.microsoft.com/office/powerpoint/2010/main" val="2642927724"/>
+      </p:ext>
+    </p:extLst>
+  </p:cSld>
+  <p:clrMapOvr>
+    <a:masterClrMapping/>
+  </p:clrMapOvr>
+</p:sld>
+</file>
+
+<file path=ppt/slides/slide18.xml><?xml version="1.0" encoding="utf-8"?>
+<p:sld xmlns:a="http://schemas.openxmlformats.org/drawingml/2006/main" xmlns:r="http://schemas.openxmlformats.org/officeDocument/2006/relationships" xmlns:p="http://schemas.openxmlformats.org/presentationml/2006/main">
+  <p:cSld>
+    <p:spTree>
+      <p:nvGrpSpPr>
+        <p:cNvPr id="1" name=""/>
+        <p:cNvGrpSpPr/>
+        <p:nvPr/>
+      </p:nvGrpSpPr>
+      <p:grpSpPr>
+        <a:xfrm>
+          <a:off x="0" y="0"/>
+          <a:ext cx="0" cy="0"/>
+          <a:chOff x="0" y="0"/>
+          <a:chExt cx="0" cy="0"/>
+        </a:xfrm>
+      </p:grpSpPr>
+      <p:pic>
+        <p:nvPicPr>
+          <p:cNvPr id="5" name="Picture 4" descr="Chart&#10;&#10;Description automatically generated">
+            <a:extLst>
+              <a:ext uri="{FF2B5EF4-FFF2-40B4-BE49-F238E27FC236}">
+                <a16:creationId xmlns:a16="http://schemas.microsoft.com/office/drawing/2014/main" id="{78114D70-9CA8-7C24-94CD-BCB912A3EDDD}"/>
+              </a:ext>
+            </a:extLst>
+          </p:cNvPr>
+          <p:cNvPicPr>
+            <a:picLocks noChangeAspect="1"/>
+          </p:cNvPicPr>
+          <p:nvPr/>
+        </p:nvPicPr>
+        <p:blipFill>
+          <a:blip r:embed="rId2">
+            <a:extLst>
+              <a:ext uri="{28A0092B-C50C-407E-A947-70E740481C1C}">
+                <a14:useLocalDpi xmlns:a14="http://schemas.microsoft.com/office/drawing/2010/main" val="0"/>
+              </a:ext>
+            </a:extLst>
+          </a:blip>
+          <a:stretch>
+            <a:fillRect/>
+          </a:stretch>
+        </p:blipFill>
+        <p:spPr>
+          <a:xfrm>
+            <a:off x="5775470" y="1175659"/>
+            <a:ext cx="6116560" cy="4234542"/>
+          </a:xfrm>
+          <a:prstGeom prst="rect">
+            <a:avLst/>
+          </a:prstGeom>
+        </p:spPr>
+      </p:pic>
+      <p:pic>
+        <p:nvPicPr>
+          <p:cNvPr id="10" name="Picture 9" descr="Table&#10;&#10;Description automatically generated">
+            <a:extLst>
+              <a:ext uri="{FF2B5EF4-FFF2-40B4-BE49-F238E27FC236}">
+                <a16:creationId xmlns:a16="http://schemas.microsoft.com/office/drawing/2014/main" id="{E59EF9C5-C125-F134-1761-BC99B1698327}"/>
+              </a:ext>
+            </a:extLst>
+          </p:cNvPr>
+          <p:cNvPicPr>
+            <a:picLocks noChangeAspect="1"/>
+          </p:cNvPicPr>
+          <p:nvPr/>
+        </p:nvPicPr>
+        <p:blipFill>
+          <a:blip r:embed="rId3">
+            <a:extLst>
+              <a:ext uri="{28A0092B-C50C-407E-A947-70E740481C1C}">
+                <a14:useLocalDpi xmlns:a14="http://schemas.microsoft.com/office/drawing/2010/main" val="0"/>
+              </a:ext>
+            </a:extLst>
+          </a:blip>
+          <a:stretch>
+            <a:fillRect/>
+          </a:stretch>
+        </p:blipFill>
+        <p:spPr>
+          <a:xfrm>
+            <a:off x="205541" y="223159"/>
+            <a:ext cx="5569929" cy="6139542"/>
+          </a:xfrm>
+          <a:prstGeom prst="rect">
+            <a:avLst/>
+          </a:prstGeom>
+        </p:spPr>
+      </p:pic>
+      <mc:AlternateContent xmlns:mc="http://schemas.openxmlformats.org/markup-compatibility/2006" xmlns:p14="http://schemas.microsoft.com/office/powerpoint/2010/main">
+        <mc:Choice Requires="p14">
+          <p:contentPart p14:bwMode="auto" r:id="rId4">
+            <p14:nvContentPartPr>
+              <p14:cNvPr id="19" name="Ink 18">
+                <a:extLst>
+                  <a:ext uri="{FF2B5EF4-FFF2-40B4-BE49-F238E27FC236}">
+                    <a16:creationId xmlns:a16="http://schemas.microsoft.com/office/drawing/2014/main" id="{74D82F1F-708A-394D-DD38-5324BF8169CE}"/>
+                  </a:ext>
+                </a:extLst>
+              </p14:cNvPr>
+              <p14:cNvContentPartPr/>
+              <p14:nvPr/>
+            </p14:nvContentPartPr>
+            <p14:xfrm>
+              <a:off x="-370457" y="-141771"/>
+              <a:ext cx="360" cy="360"/>
+            </p14:xfrm>
+          </p:contentPart>
+        </mc:Choice>
+        <mc:Fallback xmlns="">
+          <p:pic>
+            <p:nvPicPr>
+              <p:cNvPr id="19" name="Ink 18">
+                <a:extLst>
+                  <a:ext uri="{FF2B5EF4-FFF2-40B4-BE49-F238E27FC236}">
+                    <a16:creationId xmlns:a16="http://schemas.microsoft.com/office/drawing/2014/main" id="{74D82F1F-708A-394D-DD38-5324BF8169CE}"/>
+                  </a:ext>
+                </a:extLst>
+              </p:cNvPr>
+              <p:cNvPicPr/>
+              <p:nvPr/>
+            </p:nvPicPr>
+            <p:blipFill>
+              <a:blip r:embed="rId5"/>
+              <a:stretch>
+                <a:fillRect/>
+              </a:stretch>
+            </p:blipFill>
+            <p:spPr>
+              <a:xfrm>
+                <a:off x="-424457" y="-249771"/>
+                <a:ext cx="108000" cy="216000"/>
+              </a:xfrm>
+              <a:prstGeom prst="rect">
+                <a:avLst/>
+              </a:prstGeom>
+            </p:spPr>
+          </p:pic>
+        </mc:Fallback>
+      </mc:AlternateContent>
+      <mc:AlternateContent xmlns:mc="http://schemas.openxmlformats.org/markup-compatibility/2006" xmlns:p14="http://schemas.microsoft.com/office/powerpoint/2010/main">
+        <mc:Choice Requires="p14">
+          <p:contentPart p14:bwMode="auto" r:id="rId6">
+            <p14:nvContentPartPr>
+              <p14:cNvPr id="21" name="Ink 20">
+                <a:extLst>
+                  <a:ext uri="{FF2B5EF4-FFF2-40B4-BE49-F238E27FC236}">
+                    <a16:creationId xmlns:a16="http://schemas.microsoft.com/office/drawing/2014/main" id="{DFA7CD19-F86B-EC0D-156B-E0912CB1836C}"/>
+                  </a:ext>
+                </a:extLst>
+              </p14:cNvPr>
+              <p14:cNvContentPartPr/>
+              <p14:nvPr/>
+            </p14:nvContentPartPr>
+            <p14:xfrm>
+              <a:off x="217680" y="1295280"/>
+              <a:ext cx="5333760" cy="77040"/>
+            </p14:xfrm>
+          </p:contentPart>
+        </mc:Choice>
+        <mc:Fallback xmlns="">
+          <p:pic>
+            <p:nvPicPr>
+              <p:cNvPr id="21" name="Ink 20">
+                <a:extLst>
+                  <a:ext uri="{FF2B5EF4-FFF2-40B4-BE49-F238E27FC236}">
+                    <a16:creationId xmlns:a16="http://schemas.microsoft.com/office/drawing/2014/main" id="{DFA7CD19-F86B-EC0D-156B-E0912CB1836C}"/>
+                  </a:ext>
+                </a:extLst>
+              </p:cNvPr>
+              <p:cNvPicPr/>
+              <p:nvPr/>
+            </p:nvPicPr>
+            <p:blipFill>
+              <a:blip r:embed="rId7"/>
+              <a:stretch>
+                <a:fillRect/>
+              </a:stretch>
+            </p:blipFill>
+            <p:spPr>
+              <a:xfrm>
+                <a:off x="163680" y="1187280"/>
+                <a:ext cx="5441400" cy="292680"/>
+              </a:xfrm>
+              <a:prstGeom prst="rect">
+                <a:avLst/>
+              </a:prstGeom>
+            </p:spPr>
+          </p:pic>
+        </mc:Fallback>
+      </mc:AlternateContent>
+      <mc:AlternateContent xmlns:mc="http://schemas.openxmlformats.org/markup-compatibility/2006" xmlns:p14="http://schemas.microsoft.com/office/powerpoint/2010/main">
+        <mc:Choice Requires="p14">
+          <p:contentPart p14:bwMode="auto" r:id="rId8">
+            <p14:nvContentPartPr>
+              <p14:cNvPr id="22" name="Ink 21">
+                <a:extLst>
+                  <a:ext uri="{FF2B5EF4-FFF2-40B4-BE49-F238E27FC236}">
+                    <a16:creationId xmlns:a16="http://schemas.microsoft.com/office/drawing/2014/main" id="{33CE1482-85BE-F25A-D24B-5D03BDE71443}"/>
+                  </a:ext>
+                </a:extLst>
+              </p14:cNvPr>
+              <p14:cNvContentPartPr/>
+              <p14:nvPr/>
+            </p14:nvContentPartPr>
+            <p14:xfrm>
+              <a:off x="239280" y="1850760"/>
+              <a:ext cx="5322240" cy="44640"/>
+            </p14:xfrm>
+          </p:contentPart>
+        </mc:Choice>
+        <mc:Fallback xmlns="">
+          <p:pic>
+            <p:nvPicPr>
+              <p:cNvPr id="22" name="Ink 21">
+                <a:extLst>
+                  <a:ext uri="{FF2B5EF4-FFF2-40B4-BE49-F238E27FC236}">
+                    <a16:creationId xmlns:a16="http://schemas.microsoft.com/office/drawing/2014/main" id="{33CE1482-85BE-F25A-D24B-5D03BDE71443}"/>
+                  </a:ext>
+                </a:extLst>
+              </p:cNvPr>
+              <p:cNvPicPr/>
+              <p:nvPr/>
+            </p:nvPicPr>
+            <p:blipFill>
+              <a:blip r:embed="rId9"/>
+              <a:stretch>
+                <a:fillRect/>
+              </a:stretch>
+            </p:blipFill>
+            <p:spPr>
+              <a:xfrm>
+                <a:off x="185280" y="1742760"/>
+                <a:ext cx="5429880" cy="260280"/>
+              </a:xfrm>
+              <a:prstGeom prst="rect">
+                <a:avLst/>
+              </a:prstGeom>
+            </p:spPr>
+          </p:pic>
+        </mc:Fallback>
+      </mc:AlternateContent>
+      <mc:AlternateContent xmlns:mc="http://schemas.openxmlformats.org/markup-compatibility/2006" xmlns:p14="http://schemas.microsoft.com/office/powerpoint/2010/main">
+        <mc:Choice Requires="p14">
+          <p:contentPart p14:bwMode="auto" r:id="rId10">
+            <p14:nvContentPartPr>
+              <p14:cNvPr id="25" name="Ink 24">
+                <a:extLst>
+                  <a:ext uri="{FF2B5EF4-FFF2-40B4-BE49-F238E27FC236}">
+                    <a16:creationId xmlns:a16="http://schemas.microsoft.com/office/drawing/2014/main" id="{92E1C66A-32C8-28CB-0B75-0F0C9F283138}"/>
+                  </a:ext>
+                </a:extLst>
+              </p14:cNvPr>
+              <p14:cNvContentPartPr/>
+              <p14:nvPr/>
+            </p14:nvContentPartPr>
+            <p14:xfrm>
+              <a:off x="261240" y="5102280"/>
+              <a:ext cx="5300280" cy="25200"/>
+            </p14:xfrm>
+          </p:contentPart>
+        </mc:Choice>
+        <mc:Fallback xmlns="">
+          <p:pic>
+            <p:nvPicPr>
+              <p:cNvPr id="25" name="Ink 24">
+                <a:extLst>
+                  <a:ext uri="{FF2B5EF4-FFF2-40B4-BE49-F238E27FC236}">
+                    <a16:creationId xmlns:a16="http://schemas.microsoft.com/office/drawing/2014/main" id="{92E1C66A-32C8-28CB-0B75-0F0C9F283138}"/>
+                  </a:ext>
+                </a:extLst>
+              </p:cNvPr>
+              <p:cNvPicPr/>
+              <p:nvPr/>
+            </p:nvPicPr>
+            <p:blipFill>
+              <a:blip r:embed="rId11"/>
+              <a:stretch>
+                <a:fillRect/>
+              </a:stretch>
+            </p:blipFill>
+            <p:spPr>
+              <a:xfrm>
+                <a:off x="207600" y="4994640"/>
+                <a:ext cx="5407920" cy="240840"/>
+              </a:xfrm>
+              <a:prstGeom prst="rect">
+                <a:avLst/>
+              </a:prstGeom>
+            </p:spPr>
+          </p:pic>
+        </mc:Fallback>
+      </mc:AlternateContent>
+      <mc:AlternateContent xmlns:mc="http://schemas.openxmlformats.org/markup-compatibility/2006" xmlns:p14="http://schemas.microsoft.com/office/powerpoint/2010/main">
+        <mc:Choice Requires="p14">
+          <p:contentPart p14:bwMode="auto" r:id="rId12">
+            <p14:nvContentPartPr>
+              <p14:cNvPr id="27" name="Ink 26">
+                <a:extLst>
+                  <a:ext uri="{FF2B5EF4-FFF2-40B4-BE49-F238E27FC236}">
+                    <a16:creationId xmlns:a16="http://schemas.microsoft.com/office/drawing/2014/main" id="{6E518FB7-6E5B-DD40-AA76-A987255CFE82}"/>
+                  </a:ext>
+                </a:extLst>
+              </p14:cNvPr>
+              <p14:cNvContentPartPr/>
+              <p14:nvPr/>
+            </p14:nvContentPartPr>
+            <p14:xfrm>
+              <a:off x="228480" y="4550040"/>
+              <a:ext cx="5317920" cy="45000"/>
+            </p14:xfrm>
+          </p:contentPart>
+        </mc:Choice>
+        <mc:Fallback xmlns="">
+          <p:pic>
+            <p:nvPicPr>
+              <p:cNvPr id="27" name="Ink 26">
+                <a:extLst>
+                  <a:ext uri="{FF2B5EF4-FFF2-40B4-BE49-F238E27FC236}">
+                    <a16:creationId xmlns:a16="http://schemas.microsoft.com/office/drawing/2014/main" id="{6E518FB7-6E5B-DD40-AA76-A987255CFE82}"/>
+                  </a:ext>
+                </a:extLst>
+              </p:cNvPr>
+              <p:cNvPicPr/>
+              <p:nvPr/>
+            </p:nvPicPr>
+            <p:blipFill>
+              <a:blip r:embed="rId13"/>
+              <a:stretch>
+                <a:fillRect/>
+              </a:stretch>
+            </p:blipFill>
+            <p:spPr>
+              <a:xfrm>
+                <a:off x="174480" y="4442400"/>
+                <a:ext cx="5425560" cy="260640"/>
+              </a:xfrm>
+              <a:prstGeom prst="rect">
+                <a:avLst/>
+              </a:prstGeom>
+            </p:spPr>
+          </p:pic>
+        </mc:Fallback>
+      </mc:AlternateContent>
+      <mc:AlternateContent xmlns:mc="http://schemas.openxmlformats.org/markup-compatibility/2006" xmlns:p14="http://schemas.microsoft.com/office/powerpoint/2010/main">
+        <mc:Choice Requires="p14">
+          <p:contentPart p14:bwMode="auto" r:id="rId14">
+            <p14:nvContentPartPr>
+              <p14:cNvPr id="28" name="Ink 27">
+                <a:extLst>
+                  <a:ext uri="{FF2B5EF4-FFF2-40B4-BE49-F238E27FC236}">
+                    <a16:creationId xmlns:a16="http://schemas.microsoft.com/office/drawing/2014/main" id="{3C998505-0E8D-76CE-79E4-D7EBCF13C7B0}"/>
+                  </a:ext>
+                </a:extLst>
+              </p14:cNvPr>
+              <p14:cNvContentPartPr/>
+              <p14:nvPr/>
+            </p14:nvContentPartPr>
+            <p14:xfrm>
+              <a:off x="250440" y="5594040"/>
+              <a:ext cx="5321520" cy="89640"/>
+            </p14:xfrm>
+          </p:contentPart>
+        </mc:Choice>
+        <mc:Fallback xmlns="">
+          <p:pic>
+            <p:nvPicPr>
+              <p:cNvPr id="28" name="Ink 27">
+                <a:extLst>
+                  <a:ext uri="{FF2B5EF4-FFF2-40B4-BE49-F238E27FC236}">
+                    <a16:creationId xmlns:a16="http://schemas.microsoft.com/office/drawing/2014/main" id="{3C998505-0E8D-76CE-79E4-D7EBCF13C7B0}"/>
+                  </a:ext>
+                </a:extLst>
+              </p:cNvPr>
+              <p:cNvPicPr/>
+              <p:nvPr/>
+            </p:nvPicPr>
+            <p:blipFill>
+              <a:blip r:embed="rId15"/>
+              <a:stretch>
+                <a:fillRect/>
+              </a:stretch>
+            </p:blipFill>
+            <p:spPr>
+              <a:xfrm>
+                <a:off x="196800" y="5486400"/>
+                <a:ext cx="5429160" cy="305280"/>
+              </a:xfrm>
+              <a:prstGeom prst="rect">
+                <a:avLst/>
+              </a:prstGeom>
+            </p:spPr>
+          </p:pic>
+        </mc:Fallback>
+      </mc:AlternateContent>
+      <mc:AlternateContent xmlns:mc="http://schemas.openxmlformats.org/markup-compatibility/2006" xmlns:p14="http://schemas.microsoft.com/office/powerpoint/2010/main">
+        <mc:Choice Requires="p14">
+          <p:contentPart p14:bwMode="auto" r:id="rId16">
+            <p14:nvContentPartPr>
+              <p14:cNvPr id="29" name="Ink 28">
+                <a:extLst>
+                  <a:ext uri="{FF2B5EF4-FFF2-40B4-BE49-F238E27FC236}">
+                    <a16:creationId xmlns:a16="http://schemas.microsoft.com/office/drawing/2014/main" id="{5AEF3EED-9E67-4709-F60D-77FBED6378B7}"/>
+                  </a:ext>
+                </a:extLst>
+              </p14:cNvPr>
+              <p14:cNvContentPartPr/>
+              <p14:nvPr/>
+            </p14:nvContentPartPr>
+            <p14:xfrm>
+              <a:off x="185280" y="2034720"/>
+              <a:ext cx="5494320" cy="84240"/>
+            </p14:xfrm>
+          </p:contentPart>
+        </mc:Choice>
+        <mc:Fallback xmlns="">
+          <p:pic>
+            <p:nvPicPr>
+              <p:cNvPr id="29" name="Ink 28">
+                <a:extLst>
+                  <a:ext uri="{FF2B5EF4-FFF2-40B4-BE49-F238E27FC236}">
+                    <a16:creationId xmlns:a16="http://schemas.microsoft.com/office/drawing/2014/main" id="{5AEF3EED-9E67-4709-F60D-77FBED6378B7}"/>
+                  </a:ext>
+                </a:extLst>
+              </p:cNvPr>
+              <p:cNvPicPr/>
+              <p:nvPr/>
+            </p:nvPicPr>
+            <p:blipFill>
+              <a:blip r:embed="rId17"/>
+              <a:stretch>
+                <a:fillRect/>
+              </a:stretch>
+            </p:blipFill>
+            <p:spPr>
+              <a:xfrm>
+                <a:off x="131280" y="1927080"/>
+                <a:ext cx="5601960" cy="299880"/>
+              </a:xfrm>
+              <a:prstGeom prst="rect">
+                <a:avLst/>
+              </a:prstGeom>
+            </p:spPr>
+          </p:pic>
+        </mc:Fallback>
+      </mc:AlternateContent>
+      <mc:AlternateContent xmlns:mc="http://schemas.openxmlformats.org/markup-compatibility/2006" xmlns:p14="http://schemas.microsoft.com/office/powerpoint/2010/main">
+        <mc:Choice Requires="p14">
+          <p:contentPart p14:bwMode="auto" r:id="rId18">
+            <p14:nvContentPartPr>
+              <p14:cNvPr id="30" name="Ink 29">
+                <a:extLst>
+                  <a:ext uri="{FF2B5EF4-FFF2-40B4-BE49-F238E27FC236}">
+                    <a16:creationId xmlns:a16="http://schemas.microsoft.com/office/drawing/2014/main" id="{D8B2529F-5182-0835-0C4D-B43E1E0F896E}"/>
+                  </a:ext>
+                </a:extLst>
+              </p14:cNvPr>
+              <p14:cNvContentPartPr/>
+              <p14:nvPr/>
+            </p14:nvContentPartPr>
+            <p14:xfrm>
+              <a:off x="261240" y="2710440"/>
+              <a:ext cx="5278680" cy="44640"/>
+            </p14:xfrm>
+          </p:contentPart>
+        </mc:Choice>
+        <mc:Fallback xmlns="">
+          <p:pic>
+            <p:nvPicPr>
+              <p:cNvPr id="30" name="Ink 29">
+                <a:extLst>
+                  <a:ext uri="{FF2B5EF4-FFF2-40B4-BE49-F238E27FC236}">
+                    <a16:creationId xmlns:a16="http://schemas.microsoft.com/office/drawing/2014/main" id="{D8B2529F-5182-0835-0C4D-B43E1E0F896E}"/>
+                  </a:ext>
+                </a:extLst>
+              </p:cNvPr>
+              <p:cNvPicPr/>
+              <p:nvPr/>
+            </p:nvPicPr>
+            <p:blipFill>
+              <a:blip r:embed="rId19"/>
+              <a:stretch>
+                <a:fillRect/>
+              </a:stretch>
+            </p:blipFill>
+            <p:spPr>
+              <a:xfrm>
+                <a:off x="207600" y="2602800"/>
+                <a:ext cx="5386320" cy="260280"/>
+              </a:xfrm>
+              <a:prstGeom prst="rect">
+                <a:avLst/>
+              </a:prstGeom>
+            </p:spPr>
+          </p:pic>
+        </mc:Fallback>
+      </mc:AlternateContent>
+      <mc:AlternateContent xmlns:mc="http://schemas.openxmlformats.org/markup-compatibility/2006" xmlns:p14="http://schemas.microsoft.com/office/powerpoint/2010/main">
+        <mc:Choice Requires="p14">
+          <p:contentPart p14:bwMode="auto" r:id="rId20">
+            <p14:nvContentPartPr>
+              <p14:cNvPr id="31" name="Ink 30">
+                <a:extLst>
+                  <a:ext uri="{FF2B5EF4-FFF2-40B4-BE49-F238E27FC236}">
+                    <a16:creationId xmlns:a16="http://schemas.microsoft.com/office/drawing/2014/main" id="{DABE72A3-6955-A84C-401B-513C68D4EC54}"/>
+                  </a:ext>
+                </a:extLst>
+              </p14:cNvPr>
+              <p14:cNvContentPartPr/>
+              <p14:nvPr/>
+            </p14:nvContentPartPr>
+            <p14:xfrm>
+              <a:off x="162960" y="3144960"/>
+              <a:ext cx="5486040" cy="88200"/>
+            </p14:xfrm>
+          </p:contentPart>
+        </mc:Choice>
+        <mc:Fallback xmlns="">
+          <p:pic>
+            <p:nvPicPr>
+              <p:cNvPr id="31" name="Ink 30">
+                <a:extLst>
+                  <a:ext uri="{FF2B5EF4-FFF2-40B4-BE49-F238E27FC236}">
+                    <a16:creationId xmlns:a16="http://schemas.microsoft.com/office/drawing/2014/main" id="{DABE72A3-6955-A84C-401B-513C68D4EC54}"/>
+                  </a:ext>
+                </a:extLst>
+              </p:cNvPr>
+              <p:cNvPicPr/>
+              <p:nvPr/>
+            </p:nvPicPr>
+            <p:blipFill>
+              <a:blip r:embed="rId21"/>
+              <a:stretch>
+                <a:fillRect/>
+              </a:stretch>
+            </p:blipFill>
+            <p:spPr>
+              <a:xfrm>
+                <a:off x="109320" y="3037320"/>
+                <a:ext cx="5593680" cy="303840"/>
+              </a:xfrm>
+              <a:prstGeom prst="rect">
+                <a:avLst/>
+              </a:prstGeom>
+            </p:spPr>
+          </p:pic>
+        </mc:Fallback>
+      </mc:AlternateContent>
+      <mc:AlternateContent xmlns:mc="http://schemas.openxmlformats.org/markup-compatibility/2006" xmlns:p14="http://schemas.microsoft.com/office/powerpoint/2010/main">
+        <mc:Choice Requires="p14">
+          <p:contentPart p14:bwMode="auto" r:id="rId22">
+            <p14:nvContentPartPr>
+              <p14:cNvPr id="32" name="Ink 31">
+                <a:extLst>
+                  <a:ext uri="{FF2B5EF4-FFF2-40B4-BE49-F238E27FC236}">
+                    <a16:creationId xmlns:a16="http://schemas.microsoft.com/office/drawing/2014/main" id="{E492C29E-B407-383B-02F5-3A09D67AE1F3}"/>
+                  </a:ext>
+                </a:extLst>
+              </p14:cNvPr>
+              <p14:cNvContentPartPr/>
+              <p14:nvPr/>
+            </p14:nvContentPartPr>
+            <p14:xfrm>
+              <a:off x="228480" y="3755160"/>
+              <a:ext cx="5399640" cy="33120"/>
+            </p14:xfrm>
+          </p:contentPart>
+        </mc:Choice>
+        <mc:Fallback xmlns="">
+          <p:pic>
+            <p:nvPicPr>
+              <p:cNvPr id="32" name="Ink 31">
+                <a:extLst>
+                  <a:ext uri="{FF2B5EF4-FFF2-40B4-BE49-F238E27FC236}">
+                    <a16:creationId xmlns:a16="http://schemas.microsoft.com/office/drawing/2014/main" id="{E492C29E-B407-383B-02F5-3A09D67AE1F3}"/>
+                  </a:ext>
+                </a:extLst>
+              </p:cNvPr>
+              <p:cNvPicPr/>
+              <p:nvPr/>
+            </p:nvPicPr>
+            <p:blipFill>
+              <a:blip r:embed="rId23"/>
+              <a:stretch>
+                <a:fillRect/>
+              </a:stretch>
+            </p:blipFill>
+            <p:spPr>
+              <a:xfrm>
+                <a:off x="174480" y="3647160"/>
+                <a:ext cx="5507280" cy="248760"/>
+              </a:xfrm>
+              <a:prstGeom prst="rect">
+                <a:avLst/>
+              </a:prstGeom>
+            </p:spPr>
+          </p:pic>
+        </mc:Fallback>
+      </mc:AlternateContent>
+      <mc:AlternateContent xmlns:mc="http://schemas.openxmlformats.org/markup-compatibility/2006" xmlns:p14="http://schemas.microsoft.com/office/powerpoint/2010/main">
+        <mc:Choice Requires="p14">
+          <p:contentPart p14:bwMode="auto" r:id="rId24">
+            <p14:nvContentPartPr>
+              <p14:cNvPr id="33" name="Ink 32">
+                <a:extLst>
+                  <a:ext uri="{FF2B5EF4-FFF2-40B4-BE49-F238E27FC236}">
+                    <a16:creationId xmlns:a16="http://schemas.microsoft.com/office/drawing/2014/main" id="{2B6A1F39-841F-B3F3-FA75-E90C03FA33B8}"/>
+                  </a:ext>
+                </a:extLst>
+              </p14:cNvPr>
+              <p14:cNvContentPartPr/>
+              <p14:nvPr/>
+            </p14:nvContentPartPr>
+            <p14:xfrm>
+              <a:off x="217680" y="5931360"/>
+              <a:ext cx="5409720" cy="34920"/>
+            </p14:xfrm>
+          </p:contentPart>
+        </mc:Choice>
+        <mc:Fallback xmlns="">
+          <p:pic>
+            <p:nvPicPr>
+              <p:cNvPr id="33" name="Ink 32">
+                <a:extLst>
+                  <a:ext uri="{FF2B5EF4-FFF2-40B4-BE49-F238E27FC236}">
+                    <a16:creationId xmlns:a16="http://schemas.microsoft.com/office/drawing/2014/main" id="{2B6A1F39-841F-B3F3-FA75-E90C03FA33B8}"/>
+                  </a:ext>
+                </a:extLst>
+              </p:cNvPr>
+              <p:cNvPicPr/>
+              <p:nvPr/>
+            </p:nvPicPr>
+            <p:blipFill>
+              <a:blip r:embed="rId25"/>
+              <a:stretch>
+                <a:fillRect/>
+              </a:stretch>
+            </p:blipFill>
+            <p:spPr>
+              <a:xfrm>
+                <a:off x="163680" y="5823720"/>
+                <a:ext cx="5517360" cy="250560"/>
+              </a:xfrm>
+              <a:prstGeom prst="rect">
+                <a:avLst/>
+              </a:prstGeom>
+            </p:spPr>
+          </p:pic>
+        </mc:Fallback>
+      </mc:AlternateContent>
+      <mc:AlternateContent xmlns:mc="http://schemas.openxmlformats.org/markup-compatibility/2006" xmlns:p14="http://schemas.microsoft.com/office/powerpoint/2010/main">
+        <mc:Choice Requires="p14">
+          <p:contentPart p14:bwMode="auto" r:id="rId26">
+            <p14:nvContentPartPr>
+              <p14:cNvPr id="34" name="Ink 33">
+                <a:extLst>
+                  <a:ext uri="{FF2B5EF4-FFF2-40B4-BE49-F238E27FC236}">
+                    <a16:creationId xmlns:a16="http://schemas.microsoft.com/office/drawing/2014/main" id="{9915BD48-4C01-FB27-91D3-78CBEE456691}"/>
+                  </a:ext>
+                </a:extLst>
+              </p14:cNvPr>
+              <p14:cNvContentPartPr/>
+              <p14:nvPr/>
+            </p14:nvContentPartPr>
+            <p14:xfrm>
+              <a:off x="6367920" y="5964840"/>
+              <a:ext cx="1350720" cy="55080"/>
+            </p14:xfrm>
+          </p:contentPart>
+        </mc:Choice>
+        <mc:Fallback xmlns="">
+          <p:pic>
+            <p:nvPicPr>
+              <p:cNvPr id="34" name="Ink 33">
+                <a:extLst>
+                  <a:ext uri="{FF2B5EF4-FFF2-40B4-BE49-F238E27FC236}">
+                    <a16:creationId xmlns:a16="http://schemas.microsoft.com/office/drawing/2014/main" id="{9915BD48-4C01-FB27-91D3-78CBEE456691}"/>
+                  </a:ext>
+                </a:extLst>
+              </p:cNvPr>
+              <p:cNvPicPr/>
+              <p:nvPr/>
+            </p:nvPicPr>
+            <p:blipFill>
+              <a:blip r:embed="rId27"/>
+              <a:stretch>
+                <a:fillRect/>
+              </a:stretch>
+            </p:blipFill>
+            <p:spPr>
+              <a:xfrm>
+                <a:off x="6313920" y="5856840"/>
+                <a:ext cx="1458360" cy="270720"/>
+              </a:xfrm>
+              <a:prstGeom prst="rect">
+                <a:avLst/>
+              </a:prstGeom>
+            </p:spPr>
+          </p:pic>
+        </mc:Fallback>
+      </mc:AlternateContent>
+      <mc:AlternateContent xmlns:mc="http://schemas.openxmlformats.org/markup-compatibility/2006" xmlns:p14="http://schemas.microsoft.com/office/powerpoint/2010/main">
+        <mc:Choice Requires="p14">
+          <p:contentPart p14:bwMode="auto" r:id="rId28">
+            <p14:nvContentPartPr>
+              <p14:cNvPr id="35" name="Ink 34">
+                <a:extLst>
+                  <a:ext uri="{FF2B5EF4-FFF2-40B4-BE49-F238E27FC236}">
+                    <a16:creationId xmlns:a16="http://schemas.microsoft.com/office/drawing/2014/main" id="{22E7D42D-298B-5E98-BC50-3426934DAE3D}"/>
+                  </a:ext>
+                </a:extLst>
+              </p14:cNvPr>
+              <p14:cNvContentPartPr/>
+              <p14:nvPr/>
+            </p14:nvContentPartPr>
+            <p14:xfrm>
+              <a:off x="6378720" y="6333480"/>
+              <a:ext cx="1368720" cy="24120"/>
+            </p14:xfrm>
+          </p:contentPart>
+        </mc:Choice>
+        <mc:Fallback xmlns="">
+          <p:pic>
+            <p:nvPicPr>
+              <p:cNvPr id="35" name="Ink 34">
+                <a:extLst>
+                  <a:ext uri="{FF2B5EF4-FFF2-40B4-BE49-F238E27FC236}">
+                    <a16:creationId xmlns:a16="http://schemas.microsoft.com/office/drawing/2014/main" id="{22E7D42D-298B-5E98-BC50-3426934DAE3D}"/>
+                  </a:ext>
+                </a:extLst>
+              </p:cNvPr>
+              <p:cNvPicPr/>
+              <p:nvPr/>
+            </p:nvPicPr>
+            <p:blipFill>
+              <a:blip r:embed="rId29"/>
+              <a:stretch>
+                <a:fillRect/>
+              </a:stretch>
+            </p:blipFill>
+            <p:spPr>
+              <a:xfrm>
+                <a:off x="6324720" y="6225840"/>
+                <a:ext cx="1476360" cy="239760"/>
+              </a:xfrm>
+              <a:prstGeom prst="rect">
+                <a:avLst/>
+              </a:prstGeom>
+            </p:spPr>
+          </p:pic>
+        </mc:Fallback>
+      </mc:AlternateContent>
+      <p:sp>
+        <p:nvSpPr>
+          <p:cNvPr id="36" name="TextBox 35">
+            <a:extLst>
+              <a:ext uri="{FF2B5EF4-FFF2-40B4-BE49-F238E27FC236}">
+                <a16:creationId xmlns:a16="http://schemas.microsoft.com/office/drawing/2014/main" id="{C7D9A221-62DA-665C-5FF1-FB081C152823}"/>
+              </a:ext>
+            </a:extLst>
+          </p:cNvPr>
+          <p:cNvSpPr txBox="1"/>
+          <p:nvPr/>
+        </p:nvSpPr>
+        <p:spPr>
+          <a:xfrm>
+            <a:off x="6245259" y="5826340"/>
+            <a:ext cx="1635641" cy="276999"/>
+          </a:xfrm>
+          <a:prstGeom prst="rect">
+            <a:avLst/>
+          </a:prstGeom>
+          <a:noFill/>
+        </p:spPr>
+        <p:txBody>
+          <a:bodyPr wrap="none" rtlCol="0">
+            <a:spAutoFit/>
+          </a:bodyPr>
           <a:lstStyle/>
           <a:p>
-            <a:endParaRPr lang="en-US"/>
+            <a:r>
+              <a:rPr lang="en-US" sz="1200" dirty="0"/>
+              <a:t>TP is “better” predictor</a:t>
+            </a:r>
+          </a:p>
+        </p:txBody>
+      </p:sp>
+      <p:sp>
+        <p:nvSpPr>
+          <p:cNvPr id="37" name="TextBox 36">
+            <a:extLst>
+              <a:ext uri="{FF2B5EF4-FFF2-40B4-BE49-F238E27FC236}">
+                <a16:creationId xmlns:a16="http://schemas.microsoft.com/office/drawing/2014/main" id="{1DAFDBBB-9A89-2A01-D42F-C7F5EBC1D7BA}"/>
+              </a:ext>
+            </a:extLst>
+          </p:cNvPr>
+          <p:cNvSpPr txBox="1"/>
+          <p:nvPr/>
+        </p:nvSpPr>
+        <p:spPr>
+          <a:xfrm>
+            <a:off x="6245259" y="6194980"/>
+            <a:ext cx="1654877" cy="276999"/>
+          </a:xfrm>
+          <a:prstGeom prst="rect">
+            <a:avLst/>
+          </a:prstGeom>
+          <a:noFill/>
+        </p:spPr>
+        <p:txBody>
+          <a:bodyPr wrap="none" rtlCol="0">
+            <a:spAutoFit/>
+          </a:bodyPr>
+          <a:lstStyle/>
+          <a:p>
+            <a:r>
+              <a:rPr lang="en-US" sz="1200" dirty="0"/>
+              <a:t>TN is “better” predictor</a:t>
+            </a:r>
+          </a:p>
+        </p:txBody>
+      </p:sp>
+      <p:sp>
+        <p:nvSpPr>
+          <p:cNvPr id="2" name="Rectangle: Folded Corner 1">
+            <a:extLst>
+              <a:ext uri="{FF2B5EF4-FFF2-40B4-BE49-F238E27FC236}">
+                <a16:creationId xmlns:a16="http://schemas.microsoft.com/office/drawing/2014/main" id="{354E8D32-A901-CC0A-5442-DBB1B69FCE04}"/>
+              </a:ext>
+            </a:extLst>
+          </p:cNvPr>
+          <p:cNvSpPr/>
+          <p:nvPr/>
+        </p:nvSpPr>
+        <p:spPr>
+          <a:xfrm rot="851142">
+            <a:off x="10439400" y="223159"/>
+            <a:ext cx="1219200" cy="1072121"/>
+          </a:xfrm>
+          <a:prstGeom prst="foldedCorner">
+            <a:avLst/>
+          </a:prstGeom>
+          <a:solidFill>
+            <a:schemeClr val="accent4">
+              <a:lumMod val="60000"/>
+              <a:lumOff val="40000"/>
+            </a:schemeClr>
+          </a:solidFill>
+          <a:ln>
+            <a:noFill/>
+          </a:ln>
+        </p:spPr>
+        <p:style>
+          <a:lnRef idx="2">
+            <a:schemeClr val="accent1">
+              <a:shade val="50000"/>
+            </a:schemeClr>
+          </a:lnRef>
+          <a:fillRef idx="1">
+            <a:schemeClr val="accent1"/>
+          </a:fillRef>
+          <a:effectRef idx="0">
+            <a:schemeClr val="accent1"/>
+          </a:effectRef>
+          <a:fontRef idx="minor">
+            <a:schemeClr val="lt1"/>
+          </a:fontRef>
+        </p:style>
+        <p:txBody>
+          <a:bodyPr rtlCol="0" anchor="ctr"/>
+          <a:lstStyle/>
+          <a:p>
+            <a:pPr algn="ctr"/>
+            <a:r>
+              <a:rPr lang="en-US" sz="1200" dirty="0">
+                <a:solidFill>
+                  <a:schemeClr val="tx1"/>
+                </a:solidFill>
+              </a:rPr>
+              <a:t>Horizontal lines indicate trophic levels from oligotrophic to hypereutrophic</a:t>
+            </a:r>
           </a:p>
         </p:txBody>
       </p:sp>
@@ -5994,6 +8221,160 @@
     <p:extLst>
       <p:ext uri="{BB962C8B-B14F-4D97-AF65-F5344CB8AC3E}">
         <p14:creationId xmlns:p14="http://schemas.microsoft.com/office/powerpoint/2010/main" val="1350224880"/>
+      </p:ext>
+    </p:extLst>
+  </p:cSld>
+  <p:clrMapOvr>
+    <a:masterClrMapping/>
+  </p:clrMapOvr>
+</p:sld>
+</file>
+
+<file path=ppt/slides/slide19.xml><?xml version="1.0" encoding="utf-8"?>
+<p:sld xmlns:a="http://schemas.openxmlformats.org/drawingml/2006/main" xmlns:r="http://schemas.openxmlformats.org/officeDocument/2006/relationships" xmlns:p="http://schemas.openxmlformats.org/presentationml/2006/main">
+  <p:cSld>
+    <p:spTree>
+      <p:nvGrpSpPr>
+        <p:cNvPr id="1" name=""/>
+        <p:cNvGrpSpPr/>
+        <p:nvPr/>
+      </p:nvGrpSpPr>
+      <p:grpSpPr>
+        <a:xfrm>
+          <a:off x="0" y="0"/>
+          <a:ext cx="0" cy="0"/>
+          <a:chOff x="0" y="0"/>
+          <a:chExt cx="0" cy="0"/>
+        </a:xfrm>
+      </p:grpSpPr>
+      <p:pic>
+        <p:nvPicPr>
+          <p:cNvPr id="5" name="Picture 4" descr="Diagram&#10;&#10;Description automatically generated">
+            <a:extLst>
+              <a:ext uri="{FF2B5EF4-FFF2-40B4-BE49-F238E27FC236}">
+                <a16:creationId xmlns:a16="http://schemas.microsoft.com/office/drawing/2014/main" id="{38117C51-02DE-666A-8007-F2992E28E7D5}"/>
+              </a:ext>
+            </a:extLst>
+          </p:cNvPr>
+          <p:cNvPicPr>
+            <a:picLocks noChangeAspect="1"/>
+          </p:cNvPicPr>
+          <p:nvPr/>
+        </p:nvPicPr>
+        <p:blipFill>
+          <a:blip r:embed="rId3">
+            <a:extLst>
+              <a:ext uri="{28A0092B-C50C-407E-A947-70E740481C1C}">
+                <a14:useLocalDpi xmlns:a14="http://schemas.microsoft.com/office/drawing/2010/main" val="0"/>
+              </a:ext>
+            </a:extLst>
+          </a:blip>
+          <a:stretch>
+            <a:fillRect/>
+          </a:stretch>
+        </p:blipFill>
+        <p:spPr>
+          <a:xfrm>
+            <a:off x="117190" y="-1900695"/>
+            <a:ext cx="11656677" cy="8070006"/>
+          </a:xfrm>
+          <a:prstGeom prst="rect">
+            <a:avLst/>
+          </a:prstGeom>
+        </p:spPr>
+      </p:pic>
+      <p:sp>
+        <p:nvSpPr>
+          <p:cNvPr id="7" name="TextBox 6">
+            <a:extLst>
+              <a:ext uri="{FF2B5EF4-FFF2-40B4-BE49-F238E27FC236}">
+                <a16:creationId xmlns:a16="http://schemas.microsoft.com/office/drawing/2014/main" id="{699F549B-2193-6BD1-4A9A-45B4E3933863}"/>
+              </a:ext>
+            </a:extLst>
+          </p:cNvPr>
+          <p:cNvSpPr txBox="1"/>
+          <p:nvPr/>
+        </p:nvSpPr>
+        <p:spPr>
+          <a:xfrm>
+            <a:off x="6377651" y="2625151"/>
+            <a:ext cx="5501833" cy="4247317"/>
+          </a:xfrm>
+          <a:prstGeom prst="rect">
+            <a:avLst/>
+          </a:prstGeom>
+          <a:noFill/>
+        </p:spPr>
+        <p:txBody>
+          <a:bodyPr wrap="square" rtlCol="0">
+            <a:spAutoFit/>
+          </a:bodyPr>
+          <a:lstStyle/>
+          <a:p>
+            <a:r>
+              <a:rPr lang="en-US" dirty="0"/>
+              <a:t>This seems a little too perfect and I’m suspicious. But I guess it is kind of obvious it would be this way. </a:t>
+            </a:r>
+          </a:p>
+          <a:p>
+            <a:endParaRPr lang="en-US" dirty="0"/>
+          </a:p>
+          <a:p>
+            <a:r>
+              <a:rPr lang="en-US" dirty="0" err="1"/>
+              <a:t>Takaways</a:t>
+            </a:r>
+            <a:r>
+              <a:rPr lang="en-US" dirty="0"/>
+              <a:t>: </a:t>
+            </a:r>
+          </a:p>
+          <a:p>
+            <a:pPr marL="285750" indent="-285750">
+              <a:buFont typeface="Arial" panose="020B0604020202020204" pitchFamily="34" charset="0"/>
+              <a:buChar char="•"/>
+            </a:pPr>
+            <a:r>
+              <a:rPr lang="en-US" dirty="0"/>
+              <a:t>TN and TP vary in their ability to predict trophic status </a:t>
+            </a:r>
+          </a:p>
+          <a:p>
+            <a:pPr marL="742950" lvl="1" indent="-285750">
+              <a:buFont typeface="Arial" panose="020B0604020202020204" pitchFamily="34" charset="0"/>
+              <a:buChar char="•"/>
+            </a:pPr>
+            <a:r>
+              <a:rPr lang="en-US" dirty="0"/>
+              <a:t>r-squared values indicate varying strength, and comparing r-squared values in each ecoregion shows variation in if one is “better” than the other</a:t>
+            </a:r>
+          </a:p>
+          <a:p>
+            <a:pPr marL="1657350" lvl="3" indent="-285750">
+              <a:buFont typeface="Arial" panose="020B0604020202020204" pitchFamily="34" charset="0"/>
+              <a:buChar char="•"/>
+            </a:pPr>
+            <a:r>
+              <a:rPr lang="en-US" dirty="0"/>
+              <a:t>i.e., in  Upper Midwest, the difference is significant, whereas not so much in the Xeric </a:t>
+            </a:r>
+          </a:p>
+          <a:p>
+            <a:pPr marL="285750" indent="-285750">
+              <a:buFont typeface="Arial" panose="020B0604020202020204" pitchFamily="34" charset="0"/>
+              <a:buChar char="•"/>
+            </a:pPr>
+            <a:r>
+              <a:rPr lang="en-US" dirty="0"/>
+              <a:t> Ecoregion is an important variable to consider. In the eastern US, TP is a greater driver and in the western US, TN is a greater driver</a:t>
+            </a:r>
+          </a:p>
+        </p:txBody>
+      </p:sp>
+    </p:spTree>
+    <p:extLst>
+      <p:ext uri="{BB962C8B-B14F-4D97-AF65-F5344CB8AC3E}">
+        <p14:creationId xmlns:p14="http://schemas.microsoft.com/office/powerpoint/2010/main" val="1395946219"/>
       </p:ext>
     </p:extLst>
   </p:cSld>
